--- a/04 Built-in directives/Built-in directives.pptx
+++ b/04 Built-in directives/Built-in directives.pptx
@@ -5,21 +5,19 @@
     <p:sldMasterId id="2147483648" r:id="rId1"/>
   </p:sldMasterIdLst>
   <p:notesMasterIdLst>
-    <p:notesMasterId r:id="rId11"/>
+    <p:notesMasterId r:id="rId9"/>
   </p:notesMasterIdLst>
   <p:handoutMasterIdLst>
-    <p:handoutMasterId r:id="rId12"/>
+    <p:handoutMasterId r:id="rId10"/>
   </p:handoutMasterIdLst>
   <p:sldIdLst>
     <p:sldId id="572" r:id="rId2"/>
     <p:sldId id="573" r:id="rId3"/>
-    <p:sldId id="578" r:id="rId4"/>
-    <p:sldId id="577" r:id="rId5"/>
-    <p:sldId id="574" r:id="rId6"/>
-    <p:sldId id="580" r:id="rId7"/>
-    <p:sldId id="576" r:id="rId8"/>
-    <p:sldId id="454" r:id="rId9"/>
-    <p:sldId id="581" r:id="rId10"/>
+    <p:sldId id="576" r:id="rId4"/>
+    <p:sldId id="578" r:id="rId5"/>
+    <p:sldId id="577" r:id="rId6"/>
+    <p:sldId id="574" r:id="rId7"/>
+    <p:sldId id="580" r:id="rId8"/>
   </p:sldIdLst>
   <p:sldSz cx="9144000" cy="6858000" type="screen4x3"/>
   <p:notesSz cx="7104063" cy="10234613"/>
@@ -290,7 +288,7 @@
             <a:fld id="{87731427-D242-475D-9180-8940013A50B8}" type="datetimeFigureOut">
               <a:rPr lang="en-GB" smtClean="0"/>
               <a:pPr algn="l"/>
-              <a:t>16/11/2016</a:t>
+              <a:t>08/04/2017</a:t>
             </a:fld>
             <a:endParaRPr lang="en-GB" dirty="0"/>
           </a:p>
@@ -495,7 +493,7 @@
             <a:fld id="{BA521D56-F1F4-41A0-82EB-989F4F6F400D}" type="datetimeFigureOut">
               <a:rPr lang="fr-FR" smtClean="0"/>
               <a:pPr/>
-              <a:t>16/11/2016</a:t>
+              <a:t>08/04/2017</a:t>
             </a:fld>
             <a:endParaRPr lang="fr-FR"/>
           </a:p>
@@ -1141,7 +1139,7 @@
           <a:p>
             <a:fld id="{60312405-8F36-4800-8EA6-0F82045A26E6}" type="datetime1">
               <a:rPr lang="fr-FR" smtClean="0"/>
-              <a:t>16/11/2016</a:t>
+              <a:t>08/04/2017</a:t>
             </a:fld>
             <a:endParaRPr lang="fr-FR"/>
           </a:p>
@@ -1188,7 +1186,7 @@
             <a:fld id="{305287CA-3E72-4A91-B59B-B69F40801570}" type="slidenum">
               <a:rPr lang="en-GB" sz="1100" smtClean="0"/>
               <a:pPr/>
-              <a:t>5</a:t>
+              <a:t>6</a:t>
             </a:fld>
             <a:endParaRPr lang="en-GB" sz="1100" dirty="0"/>
           </a:p>
@@ -1198,389 +1196,6 @@
     <p:extLst>
       <p:ext uri="{BB962C8B-B14F-4D97-AF65-F5344CB8AC3E}">
         <p14:creationId xmlns:p14="http://schemas.microsoft.com/office/powerpoint/2010/main" val="3929936108"/>
-      </p:ext>
-    </p:extLst>
-  </p:cSld>
-  <p:clrMapOvr>
-    <a:masterClrMapping/>
-  </p:clrMapOvr>
-</p:notes>
-</file>
-
-<file path=ppt/notesSlides/notesSlide2.xml><?xml version="1.0" encoding="utf-8"?>
-<p:notes xmlns:a="http://schemas.openxmlformats.org/drawingml/2006/main" xmlns:r="http://schemas.openxmlformats.org/officeDocument/2006/relationships" xmlns:p="http://schemas.openxmlformats.org/presentationml/2006/main">
-  <p:cSld>
-    <p:spTree>
-      <p:nvGrpSpPr>
-        <p:cNvPr id="1" name=""/>
-        <p:cNvGrpSpPr/>
-        <p:nvPr/>
-      </p:nvGrpSpPr>
-      <p:grpSpPr>
-        <a:xfrm>
-          <a:off x="0" y="0"/>
-          <a:ext cx="0" cy="0"/>
-          <a:chOff x="0" y="0"/>
-          <a:chExt cx="0" cy="0"/>
-        </a:xfrm>
-      </p:grpSpPr>
-      <p:sp>
-        <p:nvSpPr>
-          <p:cNvPr id="10" name="Espace réservé de l'image des diapositives 9"/>
-          <p:cNvSpPr>
-            <a:spLocks noGrp="1" noRot="1" noChangeAspect="1"/>
-          </p:cNvSpPr>
-          <p:nvPr>
-            <p:ph type="sldImg"/>
-          </p:nvPr>
-        </p:nvSpPr>
-        <p:spPr/>
-      </p:sp>
-      <p:sp>
-        <p:nvSpPr>
-          <p:cNvPr id="11" name="Espace réservé des commentaires 10"/>
-          <p:cNvSpPr>
-            <a:spLocks noGrp="1"/>
-          </p:cNvSpPr>
-          <p:nvPr>
-            <p:ph type="body" idx="1"/>
-          </p:nvPr>
-        </p:nvSpPr>
-        <p:spPr/>
-        <p:txBody>
-          <a:bodyPr/>
-          <a:lstStyle/>
-          <a:p>
-            <a:r>
-              <a:rPr lang="fr-FR" dirty="0"/>
-              <a:t>use </a:t>
-            </a:r>
-            <a:r>
-              <a:rPr lang="fr-FR" dirty="0" err="1"/>
-              <a:t>ng</a:t>
-            </a:r>
-            <a:r>
-              <a:rPr lang="fr-FR" dirty="0"/>
-              <a:t>-class on li   to </a:t>
-            </a:r>
-            <a:r>
-              <a:rPr lang="fr-FR" baseline="0" dirty="0"/>
-              <a:t> </a:t>
-            </a:r>
-            <a:r>
-              <a:rPr lang="fr-FR" baseline="0" dirty="0" err="1"/>
-              <a:t>make</a:t>
-            </a:r>
-            <a:r>
-              <a:rPr lang="fr-FR" baseline="0" dirty="0"/>
-              <a:t> the pattern </a:t>
-            </a:r>
-            <a:r>
-              <a:rPr lang="fr-FR" baseline="0" dirty="0" err="1"/>
-              <a:t>li.completed</a:t>
-            </a:r>
-            <a:r>
-              <a:rPr lang="fr-FR" baseline="0" dirty="0"/>
-              <a:t> but </a:t>
-            </a:r>
-            <a:r>
-              <a:rPr lang="fr-FR" baseline="0" dirty="0" err="1"/>
-              <a:t>applying</a:t>
-            </a:r>
-            <a:r>
-              <a:rPr lang="fr-FR" baseline="0" dirty="0"/>
-              <a:t> class="</a:t>
-            </a:r>
-            <a:r>
-              <a:rPr lang="fr-FR" baseline="0" dirty="0" err="1"/>
-              <a:t>completed</a:t>
-            </a:r>
-            <a:r>
-              <a:rPr lang="fr-FR" baseline="0" dirty="0"/>
-              <a:t>" on the li</a:t>
-            </a:r>
-          </a:p>
-          <a:p>
-            <a:r>
-              <a:rPr lang="en-US" dirty="0"/>
-              <a:t>&lt;</a:t>
-            </a:r>
-            <a:r>
-              <a:rPr lang="en-US" b="1" dirty="0" err="1"/>
-              <a:t>li</a:t>
-            </a:r>
-            <a:r>
-              <a:rPr lang="en-US" b="1" dirty="0"/>
-              <a:t> </a:t>
-            </a:r>
-            <a:r>
-              <a:rPr lang="en-US" b="1" dirty="0" err="1"/>
-              <a:t>ng</a:t>
-            </a:r>
-            <a:r>
-              <a:rPr lang="en-US" b="1" dirty="0"/>
-              <a:t>-repeat="</a:t>
-            </a:r>
-            <a:r>
-              <a:rPr lang="en-US" b="1" dirty="0" err="1"/>
-              <a:t>todo</a:t>
-            </a:r>
-            <a:r>
-              <a:rPr lang="en-US" b="1" dirty="0"/>
-              <a:t> in </a:t>
-            </a:r>
-            <a:r>
-              <a:rPr lang="en-US" b="1" dirty="0" err="1"/>
-              <a:t>todos</a:t>
-            </a:r>
-            <a:r>
-              <a:rPr lang="en-US" b="1" dirty="0"/>
-              <a:t>" </a:t>
-            </a:r>
-            <a:r>
-              <a:rPr lang="en-US" b="1" dirty="0" err="1"/>
-              <a:t>ng</a:t>
-            </a:r>
-            <a:r>
-              <a:rPr lang="en-US" b="1" dirty="0"/>
-              <a:t>-class="{completed: </a:t>
-            </a:r>
-            <a:r>
-              <a:rPr lang="en-US" b="1" dirty="0" err="1"/>
-              <a:t>todo.completed</a:t>
-            </a:r>
-            <a:r>
-              <a:rPr lang="en-US" b="1" dirty="0"/>
-              <a:t>}"</a:t>
-            </a:r>
-            <a:r>
-              <a:rPr lang="en-US" dirty="0"/>
-              <a:t>&gt;</a:t>
-            </a:r>
-            <a:endParaRPr lang="fr-FR" dirty="0"/>
-          </a:p>
-        </p:txBody>
-      </p:sp>
-      <p:sp>
-        <p:nvSpPr>
-          <p:cNvPr id="14" name="Espace réservé du pied de page 13"/>
-          <p:cNvSpPr>
-            <a:spLocks noGrp="1"/>
-          </p:cNvSpPr>
-          <p:nvPr>
-            <p:ph type="ftr" sz="quarter" idx="12"/>
-          </p:nvPr>
-        </p:nvSpPr>
-        <p:spPr/>
-        <p:txBody>
-          <a:bodyPr/>
-          <a:lstStyle/>
-          <a:p>
-            <a:r>
-              <a:rPr lang="en-GB" sz="1100" dirty="0"/>
-              <a:t>Titre de la </a:t>
-            </a:r>
-            <a:r>
-              <a:rPr lang="en-GB" sz="1100" dirty="0" err="1"/>
-              <a:t>présentation</a:t>
-            </a:r>
-            <a:endParaRPr lang="en-GB" sz="1100" dirty="0"/>
-          </a:p>
-        </p:txBody>
-      </p:sp>
-      <p:sp>
-        <p:nvSpPr>
-          <p:cNvPr id="15" name="Espace réservé du numéro de diapositive 14"/>
-          <p:cNvSpPr>
-            <a:spLocks noGrp="1"/>
-          </p:cNvSpPr>
-          <p:nvPr>
-            <p:ph type="sldNum" sz="quarter" idx="13"/>
-          </p:nvPr>
-        </p:nvSpPr>
-        <p:spPr/>
-        <p:txBody>
-          <a:bodyPr/>
-          <a:lstStyle/>
-          <a:p>
-            <a:fld id="{305287CA-3E72-4A91-B59B-B69F40801570}" type="slidenum">
-              <a:rPr lang="en-GB" sz="1100" smtClean="0"/>
-              <a:pPr/>
-              <a:t>8</a:t>
-            </a:fld>
-            <a:endParaRPr lang="en-GB" sz="1100" dirty="0"/>
-          </a:p>
-        </p:txBody>
-      </p:sp>
-      <p:sp>
-        <p:nvSpPr>
-          <p:cNvPr id="2" name="Espace réservé de la date 1"/>
-          <p:cNvSpPr>
-            <a:spLocks noGrp="1"/>
-          </p:cNvSpPr>
-          <p:nvPr>
-            <p:ph type="dt" idx="14"/>
-          </p:nvPr>
-        </p:nvSpPr>
-        <p:spPr/>
-        <p:txBody>
-          <a:bodyPr/>
-          <a:lstStyle/>
-          <a:p>
-            <a:fld id="{CEEEE294-B79F-4A25-95D8-F3C9F64C4822}" type="datetime1">
-              <a:rPr lang="fr-FR" smtClean="0"/>
-              <a:pPr/>
-              <a:t>16/11/2016</a:t>
-            </a:fld>
-            <a:endParaRPr lang="fr-FR"/>
-          </a:p>
-        </p:txBody>
-      </p:sp>
-    </p:spTree>
-    <p:extLst>
-      <p:ext uri="{BB962C8B-B14F-4D97-AF65-F5344CB8AC3E}">
-        <p14:creationId xmlns:p14="http://schemas.microsoft.com/office/powerpoint/2010/main" val="4081639851"/>
-      </p:ext>
-    </p:extLst>
-  </p:cSld>
-  <p:clrMapOvr>
-    <a:masterClrMapping/>
-  </p:clrMapOvr>
-</p:notes>
-</file>
-
-<file path=ppt/notesSlides/notesSlide3.xml><?xml version="1.0" encoding="utf-8"?>
-<p:notes xmlns:a="http://schemas.openxmlformats.org/drawingml/2006/main" xmlns:r="http://schemas.openxmlformats.org/officeDocument/2006/relationships" xmlns:p="http://schemas.openxmlformats.org/presentationml/2006/main">
-  <p:cSld>
-    <p:spTree>
-      <p:nvGrpSpPr>
-        <p:cNvPr id="1" name=""/>
-        <p:cNvGrpSpPr/>
-        <p:nvPr/>
-      </p:nvGrpSpPr>
-      <p:grpSpPr>
-        <a:xfrm>
-          <a:off x="0" y="0"/>
-          <a:ext cx="0" cy="0"/>
-          <a:chOff x="0" y="0"/>
-          <a:chExt cx="0" cy="0"/>
-        </a:xfrm>
-      </p:grpSpPr>
-      <p:sp>
-        <p:nvSpPr>
-          <p:cNvPr id="2" name="Espace réservé de l'image des diapositives 1"/>
-          <p:cNvSpPr>
-            <a:spLocks noGrp="1" noRot="1" noChangeAspect="1"/>
-          </p:cNvSpPr>
-          <p:nvPr>
-            <p:ph type="sldImg"/>
-          </p:nvPr>
-        </p:nvSpPr>
-        <p:spPr/>
-      </p:sp>
-      <p:sp>
-        <p:nvSpPr>
-          <p:cNvPr id="3" name="Espace réservé des commentaires 2"/>
-          <p:cNvSpPr>
-            <a:spLocks noGrp="1"/>
-          </p:cNvSpPr>
-          <p:nvPr>
-            <p:ph type="body" idx="1"/>
-          </p:nvPr>
-        </p:nvSpPr>
-        <p:spPr/>
-        <p:txBody>
-          <a:bodyPr/>
-          <a:lstStyle/>
-          <a:p>
-            <a:r>
-              <a:rPr lang="en-GB" dirty="0" smtClean="0"/>
-              <a:t>ng-checked  is ONE way binding</a:t>
-            </a:r>
-          </a:p>
-          <a:p>
-            <a:r>
-              <a:rPr lang="en-GB" dirty="0" smtClean="0"/>
-              <a:t>ng-model on type=checkbox  is 2-way-binding</a:t>
-            </a:r>
-            <a:endParaRPr lang="en-GB" dirty="0"/>
-          </a:p>
-        </p:txBody>
-      </p:sp>
-      <p:sp>
-        <p:nvSpPr>
-          <p:cNvPr id="4" name="Espace réservé de la date 3"/>
-          <p:cNvSpPr>
-            <a:spLocks noGrp="1"/>
-          </p:cNvSpPr>
-          <p:nvPr>
-            <p:ph type="dt" idx="10"/>
-          </p:nvPr>
-        </p:nvSpPr>
-        <p:spPr/>
-        <p:txBody>
-          <a:bodyPr/>
-          <a:lstStyle/>
-          <a:p>
-            <a:fld id="{7D79A6D6-DB25-47E3-BB0A-8FCF654362B1}" type="datetime1">
-              <a:rPr lang="fr-FR" smtClean="0"/>
-              <a:t>16/11/2016</a:t>
-            </a:fld>
-            <a:endParaRPr lang="fr-FR"/>
-          </a:p>
-        </p:txBody>
-      </p:sp>
-      <p:sp>
-        <p:nvSpPr>
-          <p:cNvPr id="5" name="Espace réservé du pied de page 4"/>
-          <p:cNvSpPr>
-            <a:spLocks noGrp="1"/>
-          </p:cNvSpPr>
-          <p:nvPr>
-            <p:ph type="ftr" sz="quarter" idx="11"/>
-          </p:nvPr>
-        </p:nvSpPr>
-        <p:spPr/>
-        <p:txBody>
-          <a:bodyPr/>
-          <a:lstStyle/>
-          <a:p>
-            <a:r>
-              <a:rPr lang="en-GB" sz="1100"/>
-              <a:t>Titre de la présentation</a:t>
-            </a:r>
-            <a:endParaRPr lang="en-GB" sz="1100" dirty="0"/>
-          </a:p>
-        </p:txBody>
-      </p:sp>
-      <p:sp>
-        <p:nvSpPr>
-          <p:cNvPr id="6" name="Espace réservé du numéro de diapositive 5"/>
-          <p:cNvSpPr>
-            <a:spLocks noGrp="1"/>
-          </p:cNvSpPr>
-          <p:nvPr>
-            <p:ph type="sldNum" sz="quarter" idx="12"/>
-          </p:nvPr>
-        </p:nvSpPr>
-        <p:spPr/>
-        <p:txBody>
-          <a:bodyPr/>
-          <a:lstStyle/>
-          <a:p>
-            <a:fld id="{305287CA-3E72-4A91-B59B-B69F40801570}" type="slidenum">
-              <a:rPr lang="en-GB" sz="1100"/>
-              <a:pPr/>
-              <a:t>9</a:t>
-            </a:fld>
-            <a:endParaRPr lang="en-GB" sz="1100" dirty="0"/>
-          </a:p>
-        </p:txBody>
-      </p:sp>
-    </p:spTree>
-    <p:extLst>
-      <p:ext uri="{BB962C8B-B14F-4D97-AF65-F5344CB8AC3E}">
-        <p14:creationId xmlns:p14="http://schemas.microsoft.com/office/powerpoint/2010/main" val="3924825786"/>
       </p:ext>
     </p:extLst>
   </p:cSld>
@@ -9338,24 +8953,43 @@
           <a:lstStyle/>
           <a:p>
             <a:r>
-              <a:rPr lang="fr-FR" cap="none" dirty="0" err="1"/>
+              <a:rPr lang="fr-FR" cap="none" dirty="0" smtClean="0"/>
+              <a:t>Angular JS : Les directives</a:t>
+            </a:r>
+            <a:endParaRPr lang="fr-FR" cap="none" dirty="0"/>
+          </a:p>
+        </p:txBody>
+      </p:sp>
+      <p:sp>
+        <p:nvSpPr>
+          <p:cNvPr id="2" name="Espace réservé du pied de page 1"/>
+          <p:cNvSpPr>
+            <a:spLocks noGrp="1"/>
+          </p:cNvSpPr>
+          <p:nvPr>
+            <p:ph type="ftr" sz="quarter" idx="13"/>
+          </p:nvPr>
+        </p:nvSpPr>
+        <p:spPr/>
+        <p:txBody>
+          <a:bodyPr/>
+          <a:lstStyle/>
+          <a:p>
+            <a:r>
+              <a:rPr lang="fr-FR" dirty="0" err="1" smtClean="0"/>
               <a:t>Angular</a:t>
             </a:r>
             <a:r>
-              <a:rPr lang="fr-FR" cap="none" dirty="0"/>
-              <a:t> JS : </a:t>
-            </a:r>
-            <a:r>
-              <a:rPr lang="fr-FR" cap="none" dirty="0" smtClean="0"/>
-              <a:t>Les directives</a:t>
-            </a:r>
-            <a:endParaRPr lang="fr-FR" cap="none" dirty="0"/>
+              <a:rPr lang="fr-FR" dirty="0" smtClean="0"/>
+              <a:t> JS 1 : Les directives</a:t>
+            </a:r>
+            <a:endParaRPr lang="fr-FR" dirty="0"/>
           </a:p>
         </p:txBody>
       </p:sp>
       <p:pic>
         <p:nvPicPr>
-          <p:cNvPr id="9" name="Espace réservé pour une image  8"/>
+          <p:cNvPr id="6" name="Espace réservé pour une image  5"/>
           <p:cNvPicPr>
             <a:picLocks noGrp="1" noChangeAspect="1"/>
           </p:cNvPicPr>
@@ -9364,50 +8998,23 @@
           </p:nvPr>
         </p:nvPicPr>
         <p:blipFill rotWithShape="1">
-          <a:blip r:embed="rId2" cstate="print">
+          <a:blip r:embed="rId2">
             <a:extLst>
               <a:ext uri="{28A0092B-C50C-407E-A947-70E740481C1C}">
-                <a14:useLocalDpi xmlns:a14="http://schemas.microsoft.com/office/drawing/2010/main"/>
+                <a14:useLocalDpi xmlns:a14="http://schemas.microsoft.com/office/drawing/2010/main" val="0"/>
               </a:ext>
             </a:extLst>
           </a:blip>
-          <a:srcRect/>
+          <a:srcRect l="3331" t="16359" r="3514" b="16359"/>
           <a:stretch/>
         </p:blipFill>
         <p:spPr>
           <a:xfrm>
-            <a:off x="-5576" y="-2539"/>
-            <a:ext cx="9155154" cy="3431539"/>
+            <a:off x="299545" y="-2539"/>
+            <a:ext cx="8529145" cy="3431539"/>
           </a:xfrm>
         </p:spPr>
       </p:pic>
-      <p:sp>
-        <p:nvSpPr>
-          <p:cNvPr id="2" name="Espace réservé du pied de page 1"/>
-          <p:cNvSpPr>
-            <a:spLocks noGrp="1"/>
-          </p:cNvSpPr>
-          <p:nvPr>
-            <p:ph type="ftr" sz="quarter" idx="13"/>
-          </p:nvPr>
-        </p:nvSpPr>
-        <p:spPr/>
-        <p:txBody>
-          <a:bodyPr/>
-          <a:lstStyle/>
-          <a:p>
-            <a:r>
-              <a:rPr lang="fr-FR" dirty="0" err="1" smtClean="0"/>
-              <a:t>Angular</a:t>
-            </a:r>
-            <a:r>
-              <a:rPr lang="fr-FR" dirty="0" smtClean="0"/>
-              <a:t> JS 1 : Les directives</a:t>
-            </a:r>
-            <a:endParaRPr lang="fr-FR" dirty="0"/>
-          </a:p>
-        </p:txBody>
-      </p:sp>
     </p:spTree>
     <p:extLst>
       <p:ext uri="{BB962C8B-B14F-4D97-AF65-F5344CB8AC3E}">
@@ -9582,6 +9189,10 @@
               <a:rPr lang="en-GB" dirty="0" smtClean="0"/>
               <a:t> JS</a:t>
             </a:r>
+            <a:endParaRPr lang="en-US" dirty="0"/>
+          </a:p>
+          <a:p>
+            <a:endParaRPr lang="en-GB" dirty="0" smtClean="0"/>
           </a:p>
           <a:p>
             <a:pPr marL="0" indent="0">
@@ -9746,8 +9357,8 @@
         </p:nvSpPr>
         <p:spPr>
           <a:xfrm>
-            <a:off x="462775" y="1497027"/>
-            <a:ext cx="8088511" cy="4317948"/>
+            <a:off x="501302" y="1225368"/>
+            <a:ext cx="8088511" cy="878562"/>
           </a:xfrm>
         </p:spPr>
         <p:txBody>
@@ -9755,81 +9366,21 @@
           <a:lstStyle/>
           <a:p>
             <a:r>
-              <a:rPr lang="en-GB" dirty="0" err="1" smtClean="0"/>
-              <a:t>Permet</a:t>
-            </a:r>
-            <a:r>
-              <a:rPr lang="en-GB" dirty="0" smtClean="0"/>
-              <a:t> </a:t>
-            </a:r>
-            <a:r>
-              <a:rPr lang="en-GB" dirty="0"/>
-              <a:t>de </a:t>
-            </a:r>
-            <a:r>
-              <a:rPr lang="en-GB" dirty="0" err="1"/>
-              <a:t>spécifier</a:t>
-            </a:r>
-            <a:r>
-              <a:rPr lang="en-GB" dirty="0"/>
-              <a:t> </a:t>
-            </a:r>
-            <a:r>
-              <a:rPr lang="en-GB" dirty="0" err="1"/>
-              <a:t>une</a:t>
-            </a:r>
-            <a:r>
-              <a:rPr lang="en-GB" dirty="0"/>
-              <a:t> </a:t>
-            </a:r>
-            <a:r>
-              <a:rPr lang="en-GB" dirty="0" err="1"/>
-              <a:t>fonction</a:t>
-            </a:r>
-            <a:r>
-              <a:rPr lang="en-GB" dirty="0"/>
-              <a:t> à </a:t>
-            </a:r>
-            <a:r>
-              <a:rPr lang="en-GB" dirty="0" err="1"/>
-              <a:t>appeler</a:t>
-            </a:r>
-            <a:r>
-              <a:rPr lang="en-GB" dirty="0"/>
-              <a:t> </a:t>
-            </a:r>
-            <a:r>
-              <a:rPr lang="en-GB" dirty="0" err="1"/>
-              <a:t>lorsque</a:t>
-            </a:r>
-            <a:r>
-              <a:rPr lang="en-GB" dirty="0"/>
-              <a:t> </a:t>
-            </a:r>
-            <a:r>
-              <a:rPr lang="en-GB" dirty="0" err="1"/>
-              <a:t>l’objet</a:t>
-            </a:r>
-            <a:r>
-              <a:rPr lang="en-GB" dirty="0"/>
-              <a:t> </a:t>
-            </a:r>
-            <a:r>
-              <a:rPr lang="en-GB" dirty="0" err="1"/>
-              <a:t>est</a:t>
-            </a:r>
-            <a:r>
-              <a:rPr lang="en-GB" dirty="0"/>
-              <a:t> </a:t>
-            </a:r>
-            <a:r>
-              <a:rPr lang="en-GB" dirty="0" err="1"/>
-              <a:t>cliqué</a:t>
-            </a:r>
-            <a:r>
-              <a:rPr lang="en-GB" dirty="0"/>
-              <a:t>.</a:t>
-            </a:r>
+              <a:rPr lang="fr-FR" dirty="0">
+                <a:hlinkClick r:id="rId2"/>
+              </a:rPr>
+              <a:t>https://docs.angularjs.org/api/ng/directive</a:t>
+            </a:r>
+            <a:r>
+              <a:rPr lang="fr-FR" dirty="0" smtClean="0">
+                <a:hlinkClick r:id="rId2"/>
+              </a:rPr>
+              <a:t>/</a:t>
+            </a:r>
+            <a:endParaRPr lang="fr-FR" dirty="0" smtClean="0"/>
+          </a:p>
+          <a:p>
+            <a:endParaRPr lang="fr-FR" dirty="0"/>
           </a:p>
         </p:txBody>
       </p:sp>
@@ -9849,14 +9400,10 @@
           <a:lstStyle/>
           <a:p>
             <a:r>
-              <a:rPr lang="en-GB" dirty="0" smtClean="0"/>
-              <a:t>NG-</a:t>
-            </a:r>
-            <a:r>
-              <a:rPr lang="en-GB" dirty="0" err="1" smtClean="0"/>
-              <a:t>CLIcK</a:t>
-            </a:r>
-            <a:endParaRPr lang="en-GB" dirty="0"/>
+              <a:rPr lang="fr-FR" dirty="0" smtClean="0"/>
+              <a:t>Les directives</a:t>
+            </a:r>
+            <a:endParaRPr lang="fr-FR" dirty="0"/>
           </a:p>
         </p:txBody>
       </p:sp>
@@ -9881,13 +9428,8 @@
             </a:r>
             <a:r>
               <a:rPr lang="fr-FR" dirty="0"/>
-              <a:t> JS 1 : Les </a:t>
-            </a:r>
-            <a:r>
-              <a:rPr lang="fr-FR" dirty="0" smtClean="0"/>
-              <a:t>directives</a:t>
-            </a:r>
-            <a:endParaRPr lang="fr-FR" dirty="0"/>
+              <a:t> JS 1 : Les directives</a:t>
+            </a:r>
           </a:p>
         </p:txBody>
       </p:sp>
@@ -9931,86 +9473,54 @@
           <a:lstStyle/>
           <a:p>
             <a:r>
-              <a:rPr lang="en-GB" cap="none" dirty="0"/>
-              <a:t>https://</a:t>
-            </a:r>
-            <a:r>
-              <a:rPr lang="en-GB" cap="none" dirty="0" smtClean="0"/>
-              <a:t>docs.angularjs.org/api/ng/directive/ngClick</a:t>
-            </a:r>
-            <a:endParaRPr lang="en-GB" cap="none" dirty="0"/>
-          </a:p>
-        </p:txBody>
-      </p:sp>
-      <p:sp>
-        <p:nvSpPr>
-          <p:cNvPr id="9" name="ZoneTexte 8"/>
-          <p:cNvSpPr txBox="1"/>
+              <a:rPr lang="fr-FR" cap="none" dirty="0" smtClean="0"/>
+              <a:t>Les 64 directives standards</a:t>
+            </a:r>
+            <a:endParaRPr lang="fr-FR" cap="none" dirty="0"/>
+          </a:p>
+        </p:txBody>
+      </p:sp>
+      <p:pic>
+        <p:nvPicPr>
+          <p:cNvPr id="7" name="Image 6"/>
+          <p:cNvPicPr>
+            <a:picLocks noChangeAspect="1"/>
+          </p:cNvPicPr>
           <p:nvPr/>
-        </p:nvSpPr>
+        </p:nvPicPr>
+        <p:blipFill>
+          <a:blip r:embed="rId3"/>
+          <a:stretch>
+            <a:fillRect/>
+          </a:stretch>
+        </p:blipFill>
         <p:spPr>
           <a:xfrm>
-            <a:off x="2587807" y="2104677"/>
-            <a:ext cx="3457576" cy="640515"/>
+            <a:off x="793493" y="1674849"/>
+            <a:ext cx="7076075" cy="4645031"/>
           </a:xfrm>
           <a:prstGeom prst="rect">
             <a:avLst/>
           </a:prstGeom>
         </p:spPr>
-        <p:style>
-          <a:lnRef idx="0">
-            <a:schemeClr val="accent6"/>
-          </a:lnRef>
-          <a:fillRef idx="3">
-            <a:schemeClr val="accent6"/>
-          </a:fillRef>
-          <a:effectRef idx="3">
-            <a:schemeClr val="accent6"/>
-          </a:effectRef>
-          <a:fontRef idx="minor">
-            <a:schemeClr val="lt1"/>
-          </a:fontRef>
-        </p:style>
-        <p:txBody>
-          <a:bodyPr wrap="square" lIns="180000" tIns="180000" rIns="180000" bIns="180000" rtlCol="0">
-            <a:spAutoFit/>
-          </a:bodyPr>
-          <a:lstStyle/>
-          <a:p>
-            <a:r>
-              <a:rPr lang="en-US" dirty="0"/>
-              <a:t>&lt;p </a:t>
-            </a:r>
-            <a:r>
-              <a:rPr lang="en-US" dirty="0" smtClean="0"/>
-              <a:t>ng-click="</a:t>
-            </a:r>
-            <a:r>
-              <a:rPr lang="en-GB" dirty="0" err="1" smtClean="0"/>
-              <a:t>vm.update</a:t>
-            </a:r>
-            <a:r>
-              <a:rPr lang="en-GB" dirty="0" smtClean="0"/>
-              <a:t>(film)</a:t>
-            </a:r>
-            <a:r>
-              <a:rPr lang="en-US" dirty="0" smtClean="0"/>
-              <a:t>"&gt;</a:t>
-            </a:r>
-            <a:endParaRPr lang="fr-FR" dirty="0"/>
-          </a:p>
-        </p:txBody>
-      </p:sp>
+      </p:pic>
     </p:spTree>
     <p:extLst>
       <p:ext uri="{BB962C8B-B14F-4D97-AF65-F5344CB8AC3E}">
-        <p14:creationId xmlns:p14="http://schemas.microsoft.com/office/powerpoint/2010/main" val="3106183151"/>
+        <p14:creationId xmlns:p14="http://schemas.microsoft.com/office/powerpoint/2010/main" val="3836172023"/>
       </p:ext>
     </p:extLst>
   </p:cSld>
   <p:clrMapOvr>
     <a:masterClrMapping/>
   </p:clrMapOvr>
+  <p:timing>
+    <p:tnLst>
+      <p:par>
+        <p:cTn id="1" dur="indefinite" restart="never" nodeType="tmRoot"/>
+      </p:par>
+    </p:tnLst>
+  </p:timing>
 </p:sld>
 </file>
 
@@ -10043,6 +9553,341 @@
         </p:nvSpPr>
         <p:spPr>
           <a:xfrm>
+            <a:off x="462775" y="1497027"/>
+            <a:ext cx="8088511" cy="4317948"/>
+          </a:xfrm>
+        </p:spPr>
+        <p:txBody>
+          <a:bodyPr/>
+          <a:lstStyle/>
+          <a:p>
+            <a:r>
+              <a:rPr lang="en-GB" dirty="0" err="1" smtClean="0"/>
+              <a:t>Permet</a:t>
+            </a:r>
+            <a:r>
+              <a:rPr lang="en-GB" dirty="0" smtClean="0"/>
+              <a:t> </a:t>
+            </a:r>
+            <a:r>
+              <a:rPr lang="en-GB" dirty="0"/>
+              <a:t>de </a:t>
+            </a:r>
+            <a:r>
+              <a:rPr lang="en-GB" dirty="0" err="1"/>
+              <a:t>spécifier</a:t>
+            </a:r>
+            <a:r>
+              <a:rPr lang="en-GB" dirty="0"/>
+              <a:t> </a:t>
+            </a:r>
+            <a:r>
+              <a:rPr lang="en-GB" dirty="0" err="1"/>
+              <a:t>une</a:t>
+            </a:r>
+            <a:r>
+              <a:rPr lang="en-GB" dirty="0"/>
+              <a:t> </a:t>
+            </a:r>
+            <a:r>
+              <a:rPr lang="en-GB" dirty="0" err="1"/>
+              <a:t>fonction</a:t>
+            </a:r>
+            <a:r>
+              <a:rPr lang="en-GB" dirty="0"/>
+              <a:t> à </a:t>
+            </a:r>
+            <a:r>
+              <a:rPr lang="en-GB" dirty="0" err="1"/>
+              <a:t>appeler</a:t>
+            </a:r>
+            <a:r>
+              <a:rPr lang="en-GB" dirty="0"/>
+              <a:t> </a:t>
+            </a:r>
+            <a:r>
+              <a:rPr lang="en-GB" dirty="0" err="1"/>
+              <a:t>lorsque</a:t>
+            </a:r>
+            <a:r>
+              <a:rPr lang="en-GB" dirty="0"/>
+              <a:t> </a:t>
+            </a:r>
+            <a:r>
+              <a:rPr lang="en-GB" dirty="0" err="1"/>
+              <a:t>l’objet</a:t>
+            </a:r>
+            <a:r>
+              <a:rPr lang="en-GB" dirty="0"/>
+              <a:t> </a:t>
+            </a:r>
+            <a:r>
+              <a:rPr lang="en-GB" dirty="0" err="1"/>
+              <a:t>est</a:t>
+            </a:r>
+            <a:r>
+              <a:rPr lang="en-GB" dirty="0"/>
+              <a:t> </a:t>
+            </a:r>
+            <a:r>
+              <a:rPr lang="en-GB" dirty="0" err="1"/>
+              <a:t>cliqué</a:t>
+            </a:r>
+            <a:r>
+              <a:rPr lang="en-GB" dirty="0"/>
+              <a:t>.</a:t>
+            </a:r>
+          </a:p>
+        </p:txBody>
+      </p:sp>
+      <p:sp>
+        <p:nvSpPr>
+          <p:cNvPr id="3" name="Titre 2"/>
+          <p:cNvSpPr>
+            <a:spLocks noGrp="1"/>
+          </p:cNvSpPr>
+          <p:nvPr>
+            <p:ph type="title"/>
+          </p:nvPr>
+        </p:nvSpPr>
+        <p:spPr/>
+        <p:txBody>
+          <a:bodyPr/>
+          <a:lstStyle/>
+          <a:p>
+            <a:r>
+              <a:rPr lang="en-GB" dirty="0" smtClean="0"/>
+              <a:t>NG-</a:t>
+            </a:r>
+            <a:r>
+              <a:rPr lang="en-GB" dirty="0" err="1" smtClean="0"/>
+              <a:t>CLIcK</a:t>
+            </a:r>
+            <a:endParaRPr lang="en-GB" dirty="0"/>
+          </a:p>
+        </p:txBody>
+      </p:sp>
+      <p:sp>
+        <p:nvSpPr>
+          <p:cNvPr id="4" name="Espace réservé du pied de page 3"/>
+          <p:cNvSpPr>
+            <a:spLocks noGrp="1"/>
+          </p:cNvSpPr>
+          <p:nvPr>
+            <p:ph type="ftr" sz="quarter" idx="11"/>
+          </p:nvPr>
+        </p:nvSpPr>
+        <p:spPr/>
+        <p:txBody>
+          <a:bodyPr/>
+          <a:lstStyle/>
+          <a:p>
+            <a:r>
+              <a:rPr lang="fr-FR" dirty="0" err="1"/>
+              <a:t>Angular</a:t>
+            </a:r>
+            <a:r>
+              <a:rPr lang="fr-FR" dirty="0"/>
+              <a:t> JS 1 : Les </a:t>
+            </a:r>
+            <a:r>
+              <a:rPr lang="fr-FR" dirty="0" smtClean="0"/>
+              <a:t>directives</a:t>
+            </a:r>
+            <a:endParaRPr lang="fr-FR" dirty="0"/>
+          </a:p>
+        </p:txBody>
+      </p:sp>
+      <p:sp>
+        <p:nvSpPr>
+          <p:cNvPr id="5" name="Espace réservé du numéro de diapositive 4"/>
+          <p:cNvSpPr>
+            <a:spLocks noGrp="1"/>
+          </p:cNvSpPr>
+          <p:nvPr>
+            <p:ph type="sldNum" sz="quarter" idx="12"/>
+          </p:nvPr>
+        </p:nvSpPr>
+        <p:spPr/>
+        <p:txBody>
+          <a:bodyPr/>
+          <a:lstStyle/>
+          <a:p>
+            <a:fld id="{AF43E6FD-AB27-4108-A2FC-346BB5F75E3F}" type="slidenum">
+              <a:rPr lang="fr-FR" smtClean="0"/>
+              <a:pPr/>
+              <a:t>4</a:t>
+            </a:fld>
+            <a:endParaRPr lang="fr-FR" dirty="0"/>
+          </a:p>
+        </p:txBody>
+      </p:sp>
+      <p:sp>
+        <p:nvSpPr>
+          <p:cNvPr id="6" name="Espace réservé du texte 5"/>
+          <p:cNvSpPr>
+            <a:spLocks noGrp="1"/>
+          </p:cNvSpPr>
+          <p:nvPr>
+            <p:ph type="body" sz="quarter" idx="13"/>
+          </p:nvPr>
+        </p:nvSpPr>
+        <p:spPr/>
+        <p:txBody>
+          <a:bodyPr/>
+          <a:lstStyle/>
+          <a:p>
+            <a:r>
+              <a:rPr lang="en-GB" cap="none" dirty="0"/>
+              <a:t>https://</a:t>
+            </a:r>
+            <a:r>
+              <a:rPr lang="en-GB" cap="none" dirty="0" smtClean="0"/>
+              <a:t>docs.angularjs.org/api/ng/directive/ngClick</a:t>
+            </a:r>
+            <a:endParaRPr lang="en-GB" cap="none" dirty="0"/>
+          </a:p>
+        </p:txBody>
+      </p:sp>
+      <p:sp>
+        <p:nvSpPr>
+          <p:cNvPr id="7" name="ZoneTexte 6"/>
+          <p:cNvSpPr txBox="1"/>
+          <p:nvPr/>
+        </p:nvSpPr>
+        <p:spPr>
+          <a:xfrm>
+            <a:off x="2090057" y="2808514"/>
+            <a:ext cx="4408714" cy="646331"/>
+          </a:xfrm>
+          <a:prstGeom prst="rect">
+            <a:avLst/>
+          </a:prstGeom>
+          <a:noFill/>
+        </p:spPr>
+        <p:txBody>
+          <a:bodyPr wrap="square" rtlCol="0">
+            <a:spAutoFit/>
+          </a:bodyPr>
+          <a:lstStyle/>
+          <a:p>
+            <a:r>
+              <a:rPr lang="fr-FR" dirty="0">
+                <a:latin typeface="Consolas" panose="020B0609020204030204" pitchFamily="49" charset="0"/>
+              </a:rPr>
+              <a:t>&lt;</a:t>
+            </a:r>
+            <a:r>
+              <a:rPr lang="fr-FR" b="1" dirty="0">
+                <a:solidFill>
+                  <a:srgbClr val="008000"/>
+                </a:solidFill>
+                <a:latin typeface="Consolas" panose="020B0609020204030204" pitchFamily="49" charset="0"/>
+              </a:rPr>
+              <a:t>p </a:t>
+            </a:r>
+            <a:r>
+              <a:rPr lang="fr-FR" b="1" dirty="0" err="1">
+                <a:solidFill>
+                  <a:srgbClr val="7D9029"/>
+                </a:solidFill>
+                <a:latin typeface="Consolas" panose="020B0609020204030204" pitchFamily="49" charset="0"/>
+              </a:rPr>
+              <a:t>ng</a:t>
+            </a:r>
+            <a:r>
+              <a:rPr lang="fr-FR" b="1" dirty="0">
+                <a:solidFill>
+                  <a:srgbClr val="7D9029"/>
+                </a:solidFill>
+                <a:latin typeface="Consolas" panose="020B0609020204030204" pitchFamily="49" charset="0"/>
+              </a:rPr>
+              <a:t>-click</a:t>
+            </a:r>
+            <a:r>
+              <a:rPr lang="fr-FR" b="1" dirty="0">
+                <a:solidFill>
+                  <a:srgbClr val="666666"/>
+                </a:solidFill>
+                <a:latin typeface="Consolas" panose="020B0609020204030204" pitchFamily="49" charset="0"/>
+              </a:rPr>
+              <a:t>=</a:t>
+            </a:r>
+            <a:r>
+              <a:rPr lang="fr-FR" b="1" dirty="0">
+                <a:solidFill>
+                  <a:srgbClr val="BA2121"/>
+                </a:solidFill>
+                <a:latin typeface="Consolas" panose="020B0609020204030204" pitchFamily="49" charset="0"/>
+              </a:rPr>
+              <a:t>"</a:t>
+            </a:r>
+            <a:r>
+              <a:rPr lang="fr-FR" b="1" dirty="0" err="1">
+                <a:solidFill>
+                  <a:srgbClr val="BA2121"/>
+                </a:solidFill>
+                <a:latin typeface="Consolas" panose="020B0609020204030204" pitchFamily="49" charset="0"/>
+              </a:rPr>
+              <a:t>vm.update</a:t>
+            </a:r>
+            <a:r>
+              <a:rPr lang="fr-FR" b="1" dirty="0">
+                <a:solidFill>
+                  <a:srgbClr val="BA2121"/>
+                </a:solidFill>
+                <a:latin typeface="Consolas" panose="020B0609020204030204" pitchFamily="49" charset="0"/>
+              </a:rPr>
+              <a:t>(film)"&gt;</a:t>
+            </a:r>
+          </a:p>
+          <a:p>
+            <a:endParaRPr lang="fr-FR" dirty="0"/>
+          </a:p>
+        </p:txBody>
+      </p:sp>
+    </p:spTree>
+    <p:extLst>
+      <p:ext uri="{BB962C8B-B14F-4D97-AF65-F5344CB8AC3E}">
+        <p14:creationId xmlns:p14="http://schemas.microsoft.com/office/powerpoint/2010/main" val="3106183151"/>
+      </p:ext>
+    </p:extLst>
+  </p:cSld>
+  <p:clrMapOvr>
+    <a:masterClrMapping/>
+  </p:clrMapOvr>
+</p:sld>
+</file>
+
+<file path=ppt/slides/slide5.xml><?xml version="1.0" encoding="utf-8"?>
+<p:sld xmlns:a="http://schemas.openxmlformats.org/drawingml/2006/main" xmlns:r="http://schemas.openxmlformats.org/officeDocument/2006/relationships" xmlns:p="http://schemas.openxmlformats.org/presentationml/2006/main">
+  <p:cSld>
+    <p:spTree>
+      <p:nvGrpSpPr>
+        <p:cNvPr id="1" name=""/>
+        <p:cNvGrpSpPr/>
+        <p:nvPr/>
+      </p:nvGrpSpPr>
+      <p:grpSpPr>
+        <a:xfrm>
+          <a:off x="0" y="0"/>
+          <a:ext cx="0" cy="0"/>
+          <a:chOff x="0" y="0"/>
+          <a:chExt cx="0" cy="0"/>
+        </a:xfrm>
+      </p:grpSpPr>
+      <p:sp>
+        <p:nvSpPr>
+          <p:cNvPr id="2" name="Espace réservé du contenu 1"/>
+          <p:cNvSpPr>
+            <a:spLocks noGrp="1"/>
+          </p:cNvSpPr>
+          <p:nvPr>
+            <p:ph idx="1"/>
+          </p:nvPr>
+        </p:nvSpPr>
+        <p:spPr>
+          <a:xfrm>
             <a:off x="462775" y="1133438"/>
             <a:ext cx="8088511" cy="4681537"/>
           </a:xfrm>
@@ -10220,7 +10065,7 @@
             <a:fld id="{AF43E6FD-AB27-4108-A2FC-346BB5F75E3F}" type="slidenum">
               <a:rPr lang="fr-FR" smtClean="0"/>
               <a:pPr/>
-              <a:t>4</a:t>
+              <a:t>5</a:t>
             </a:fld>
             <a:endParaRPr lang="fr-FR" dirty="0"/>
           </a:p>
@@ -10327,343 +10172,6 @@
 </p:sld>
 </file>
 
-<file path=ppt/slides/slide5.xml><?xml version="1.0" encoding="utf-8"?>
-<p:sld xmlns:a="http://schemas.openxmlformats.org/drawingml/2006/main" xmlns:r="http://schemas.openxmlformats.org/officeDocument/2006/relationships" xmlns:p="http://schemas.openxmlformats.org/presentationml/2006/main">
-  <p:cSld>
-    <p:spTree>
-      <p:nvGrpSpPr>
-        <p:cNvPr id="1" name=""/>
-        <p:cNvGrpSpPr/>
-        <p:nvPr/>
-      </p:nvGrpSpPr>
-      <p:grpSpPr>
-        <a:xfrm>
-          <a:off x="0" y="0"/>
-          <a:ext cx="0" cy="0"/>
-          <a:chOff x="0" y="0"/>
-          <a:chExt cx="0" cy="0"/>
-        </a:xfrm>
-      </p:grpSpPr>
-      <p:sp>
-        <p:nvSpPr>
-          <p:cNvPr id="2" name="Espace réservé du contenu 1"/>
-          <p:cNvSpPr>
-            <a:spLocks noGrp="1"/>
-          </p:cNvSpPr>
-          <p:nvPr>
-            <p:ph idx="1"/>
-          </p:nvPr>
-        </p:nvSpPr>
-        <p:spPr/>
-        <p:txBody>
-          <a:bodyPr/>
-          <a:lstStyle/>
-          <a:p>
-            <a:r>
-              <a:rPr lang="en-GB" dirty="0" smtClean="0"/>
-              <a:t>ng-model : </a:t>
-            </a:r>
-            <a:r>
-              <a:rPr lang="en-GB" dirty="0" err="1" smtClean="0"/>
-              <a:t>Permet</a:t>
-            </a:r>
-            <a:r>
-              <a:rPr lang="en-GB" dirty="0" smtClean="0"/>
-              <a:t> de </a:t>
-            </a:r>
-            <a:r>
-              <a:rPr lang="en-GB" dirty="0" err="1" smtClean="0"/>
-              <a:t>lier</a:t>
-            </a:r>
-            <a:r>
-              <a:rPr lang="en-GB" dirty="0" smtClean="0"/>
-              <a:t> </a:t>
-            </a:r>
-            <a:r>
-              <a:rPr lang="en-GB" dirty="0" err="1" smtClean="0"/>
-              <a:t>une</a:t>
-            </a:r>
-            <a:r>
-              <a:rPr lang="en-GB" dirty="0" smtClean="0"/>
-              <a:t> variable du </a:t>
-            </a:r>
-            <a:r>
-              <a:rPr lang="en-GB" dirty="0" err="1" smtClean="0"/>
-              <a:t>modèle</a:t>
-            </a:r>
-            <a:r>
-              <a:rPr lang="en-GB" dirty="0" smtClean="0"/>
-              <a:t> à </a:t>
-            </a:r>
-            <a:r>
-              <a:rPr lang="en-GB" dirty="0" err="1" smtClean="0"/>
-              <a:t>une</a:t>
-            </a:r>
-            <a:r>
-              <a:rPr lang="en-GB" dirty="0" smtClean="0"/>
-              <a:t> </a:t>
-            </a:r>
-            <a:r>
-              <a:rPr lang="en-GB" dirty="0" err="1" smtClean="0"/>
-              <a:t>balise</a:t>
-            </a:r>
-            <a:r>
-              <a:rPr lang="en-GB" dirty="0" smtClean="0"/>
-              <a:t> input, select </a:t>
-            </a:r>
-            <a:r>
-              <a:rPr lang="en-GB" dirty="0" err="1" smtClean="0"/>
-              <a:t>ou</a:t>
-            </a:r>
-            <a:r>
-              <a:rPr lang="en-GB" dirty="0" smtClean="0"/>
-              <a:t> </a:t>
-            </a:r>
-            <a:r>
-              <a:rPr lang="en-GB" dirty="0" err="1" smtClean="0"/>
-              <a:t>textarea</a:t>
-            </a:r>
-            <a:endParaRPr lang="en-GB" dirty="0" smtClean="0"/>
-          </a:p>
-          <a:p>
-            <a:endParaRPr lang="en-GB" dirty="0"/>
-          </a:p>
-          <a:p>
-            <a:endParaRPr lang="en-GB" dirty="0" smtClean="0"/>
-          </a:p>
-          <a:p>
-            <a:r>
-              <a:rPr lang="en-GB" dirty="0" err="1" smtClean="0"/>
-              <a:t>Comportement</a:t>
-            </a:r>
-            <a:endParaRPr lang="en-GB" dirty="0" smtClean="0"/>
-          </a:p>
-          <a:p>
-            <a:pPr lvl="1"/>
-            <a:r>
-              <a:rPr lang="en-US" dirty="0" smtClean="0"/>
-              <a:t>Double Binding</a:t>
-            </a:r>
-          </a:p>
-          <a:p>
-            <a:pPr lvl="1"/>
-            <a:r>
-              <a:rPr lang="en-US" dirty="0" smtClean="0"/>
-              <a:t>Validation</a:t>
-            </a:r>
-          </a:p>
-          <a:p>
-            <a:pPr lvl="1"/>
-            <a:r>
-              <a:rPr lang="en-US" dirty="0" err="1" smtClean="0"/>
-              <a:t>Assigne</a:t>
-            </a:r>
-            <a:r>
-              <a:rPr lang="en-US" dirty="0" smtClean="0"/>
-              <a:t> </a:t>
-            </a:r>
-            <a:r>
-              <a:rPr lang="en-US" dirty="0"/>
-              <a:t>d</a:t>
-            </a:r>
-            <a:r>
-              <a:rPr lang="en-US" dirty="0" smtClean="0"/>
-              <a:t>es classes CSS (</a:t>
-            </a:r>
-            <a:r>
-              <a:rPr lang="en-US" dirty="0"/>
-              <a:t>ng-valid, ng-invalid, ng-dirty, ng-pristine, ng-touched, ng-untouched, ng-empty, </a:t>
-            </a:r>
-            <a:r>
-              <a:rPr lang="en-US" dirty="0" smtClean="0"/>
-              <a:t>ng-not-empty)</a:t>
-            </a:r>
-            <a:endParaRPr lang="en-US" dirty="0"/>
-          </a:p>
-          <a:p>
-            <a:pPr marL="0" indent="0">
-              <a:buNone/>
-            </a:pPr>
-            <a:endParaRPr lang="en-GB" dirty="0" smtClean="0"/>
-          </a:p>
-          <a:p>
-            <a:endParaRPr lang="en-GB" dirty="0" smtClean="0"/>
-          </a:p>
-        </p:txBody>
-      </p:sp>
-      <p:sp>
-        <p:nvSpPr>
-          <p:cNvPr id="3" name="Titre 2"/>
-          <p:cNvSpPr>
-            <a:spLocks noGrp="1"/>
-          </p:cNvSpPr>
-          <p:nvPr>
-            <p:ph type="title"/>
-          </p:nvPr>
-        </p:nvSpPr>
-        <p:spPr/>
-        <p:txBody>
-          <a:bodyPr/>
-          <a:lstStyle/>
-          <a:p>
-            <a:r>
-              <a:rPr lang="en-GB" dirty="0" smtClean="0"/>
-              <a:t>NG-Model</a:t>
-            </a:r>
-            <a:endParaRPr lang="en-GB" dirty="0"/>
-          </a:p>
-        </p:txBody>
-      </p:sp>
-      <p:sp>
-        <p:nvSpPr>
-          <p:cNvPr id="4" name="Espace réservé du pied de page 3"/>
-          <p:cNvSpPr>
-            <a:spLocks noGrp="1"/>
-          </p:cNvSpPr>
-          <p:nvPr>
-            <p:ph type="ftr" sz="quarter" idx="11"/>
-          </p:nvPr>
-        </p:nvSpPr>
-        <p:spPr/>
-        <p:txBody>
-          <a:bodyPr/>
-          <a:lstStyle/>
-          <a:p>
-            <a:r>
-              <a:rPr lang="fr-FR" dirty="0" err="1"/>
-              <a:t>Angular</a:t>
-            </a:r>
-            <a:r>
-              <a:rPr lang="fr-FR" dirty="0"/>
-              <a:t> JS 1 : Les </a:t>
-            </a:r>
-            <a:r>
-              <a:rPr lang="fr-FR" dirty="0" smtClean="0"/>
-              <a:t>directives</a:t>
-            </a:r>
-            <a:endParaRPr lang="fr-FR" dirty="0"/>
-          </a:p>
-        </p:txBody>
-      </p:sp>
-      <p:sp>
-        <p:nvSpPr>
-          <p:cNvPr id="5" name="Espace réservé du numéro de diapositive 4"/>
-          <p:cNvSpPr>
-            <a:spLocks noGrp="1"/>
-          </p:cNvSpPr>
-          <p:nvPr>
-            <p:ph type="sldNum" sz="quarter" idx="12"/>
-          </p:nvPr>
-        </p:nvSpPr>
-        <p:spPr/>
-        <p:txBody>
-          <a:bodyPr/>
-          <a:lstStyle/>
-          <a:p>
-            <a:fld id="{AF43E6FD-AB27-4108-A2FC-346BB5F75E3F}" type="slidenum">
-              <a:rPr lang="fr-FR" smtClean="0"/>
-              <a:pPr/>
-              <a:t>5</a:t>
-            </a:fld>
-            <a:endParaRPr lang="fr-FR" dirty="0"/>
-          </a:p>
-        </p:txBody>
-      </p:sp>
-      <p:sp>
-        <p:nvSpPr>
-          <p:cNvPr id="7" name="ZoneTexte 6"/>
-          <p:cNvSpPr txBox="1"/>
-          <p:nvPr/>
-        </p:nvSpPr>
-        <p:spPr>
-          <a:xfrm>
-            <a:off x="2286000" y="2201247"/>
-            <a:ext cx="4629150" cy="640515"/>
-          </a:xfrm>
-          <a:prstGeom prst="rect">
-            <a:avLst/>
-          </a:prstGeom>
-        </p:spPr>
-        <p:style>
-          <a:lnRef idx="0">
-            <a:schemeClr val="accent6"/>
-          </a:lnRef>
-          <a:fillRef idx="3">
-            <a:schemeClr val="accent6"/>
-          </a:fillRef>
-          <a:effectRef idx="3">
-            <a:schemeClr val="accent6"/>
-          </a:effectRef>
-          <a:fontRef idx="minor">
-            <a:schemeClr val="lt1"/>
-          </a:fontRef>
-        </p:style>
-        <p:txBody>
-          <a:bodyPr wrap="square" lIns="180000" tIns="180000" rIns="180000" bIns="180000" rtlCol="0">
-            <a:spAutoFit/>
-          </a:bodyPr>
-          <a:lstStyle/>
-          <a:p>
-            <a:r>
-              <a:rPr lang="en-US" dirty="0" smtClean="0"/>
-              <a:t>&lt;input ng-model=“user.name“ type=“text”&gt;</a:t>
-            </a:r>
-            <a:endParaRPr lang="fr-FR" dirty="0"/>
-          </a:p>
-        </p:txBody>
-      </p:sp>
-      <p:sp>
-        <p:nvSpPr>
-          <p:cNvPr id="10" name="Espace réservé du texte 5"/>
-          <p:cNvSpPr>
-            <a:spLocks noGrp="1"/>
-          </p:cNvSpPr>
-          <p:nvPr>
-            <p:ph type="body" sz="quarter" idx="13"/>
-          </p:nvPr>
-        </p:nvSpPr>
-        <p:spPr>
-          <a:xfrm>
-            <a:off x="544439" y="656624"/>
-            <a:ext cx="8045450" cy="269875"/>
-          </a:xfrm>
-        </p:spPr>
-        <p:txBody>
-          <a:bodyPr/>
-          <a:lstStyle/>
-          <a:p>
-            <a:r>
-              <a:rPr lang="en-GB" cap="none" dirty="0"/>
-              <a:t>https://</a:t>
-            </a:r>
-            <a:r>
-              <a:rPr lang="en-GB" cap="none" dirty="0" smtClean="0"/>
-              <a:t>docs.angularjs.org/api/ng/directive/ngModel</a:t>
-            </a:r>
-            <a:endParaRPr lang="en-GB" cap="none" dirty="0"/>
-          </a:p>
-        </p:txBody>
-      </p:sp>
-    </p:spTree>
-    <p:extLst>
-      <p:ext uri="{BB962C8B-B14F-4D97-AF65-F5344CB8AC3E}">
-        <p14:creationId xmlns:p14="http://schemas.microsoft.com/office/powerpoint/2010/main" val="2044415788"/>
-      </p:ext>
-    </p:extLst>
-  </p:cSld>
-  <p:clrMapOvr>
-    <a:masterClrMapping/>
-  </p:clrMapOvr>
-  <p:timing>
-    <p:tnLst>
-      <p:par>
-        <p:cTn id="1" dur="indefinite" restart="never" nodeType="tmRoot"/>
-      </p:par>
-    </p:tnLst>
-  </p:timing>
-</p:sld>
-</file>
-
 <file path=ppt/slides/slide6.xml><?xml version="1.0" encoding="utf-8"?>
 <p:sld xmlns:a="http://schemas.openxmlformats.org/drawingml/2006/main" xmlns:r="http://schemas.openxmlformats.org/officeDocument/2006/relationships" xmlns:p="http://schemas.openxmlformats.org/presentationml/2006/main">
   <p:cSld>
@@ -10691,19 +10199,14 @@
             <p:ph idx="1"/>
           </p:nvPr>
         </p:nvSpPr>
-        <p:spPr>
-          <a:xfrm>
-            <a:off x="515938" y="1247642"/>
-            <a:ext cx="8088511" cy="4681537"/>
-          </a:xfrm>
-        </p:spPr>
+        <p:spPr/>
         <p:txBody>
           <a:bodyPr/>
           <a:lstStyle/>
           <a:p>
             <a:r>
               <a:rPr lang="en-GB" dirty="0" smtClean="0"/>
-              <a:t>ng-repeat : </a:t>
+              <a:t>ng-model : </a:t>
             </a:r>
             <a:r>
               <a:rPr lang="en-GB" dirty="0" err="1" smtClean="0"/>
@@ -10715,15 +10218,7 @@
             </a:r>
             <a:r>
               <a:rPr lang="en-GB" dirty="0" err="1" smtClean="0"/>
-              <a:t>répéter</a:t>
-            </a:r>
-            <a:r>
-              <a:rPr lang="en-GB" dirty="0" smtClean="0"/>
-              <a:t> le </a:t>
-            </a:r>
-            <a:r>
-              <a:rPr lang="en-GB" dirty="0" err="1" smtClean="0"/>
-              <a:t>contenu</a:t>
+              <a:t>lier</a:t>
             </a:r>
             <a:r>
               <a:rPr lang="en-GB" dirty="0" smtClean="0"/>
@@ -10731,7 +10226,23 @@
             </a:r>
             <a:r>
               <a:rPr lang="en-GB" dirty="0" err="1" smtClean="0"/>
-              <a:t>d’une</a:t>
+              <a:t>une</a:t>
+            </a:r>
+            <a:r>
+              <a:rPr lang="en-GB" dirty="0" smtClean="0"/>
+              <a:t> variable du </a:t>
+            </a:r>
+            <a:r>
+              <a:rPr lang="en-GB" dirty="0" err="1" smtClean="0"/>
+              <a:t>modèle</a:t>
+            </a:r>
+            <a:r>
+              <a:rPr lang="en-GB" dirty="0" smtClean="0"/>
+              <a:t> à </a:t>
+            </a:r>
+            <a:r>
+              <a:rPr lang="en-GB" dirty="0" err="1" smtClean="0"/>
+              <a:t>une</a:t>
             </a:r>
             <a:r>
               <a:rPr lang="en-GB" dirty="0" smtClean="0"/>
@@ -10741,7 +10252,78 @@
               <a:rPr lang="en-GB" dirty="0" err="1" smtClean="0"/>
               <a:t>balise</a:t>
             </a:r>
+            <a:r>
+              <a:rPr lang="en-GB" dirty="0" smtClean="0"/>
+              <a:t> input, select </a:t>
+            </a:r>
+            <a:r>
+              <a:rPr lang="en-GB" dirty="0" err="1" smtClean="0"/>
+              <a:t>ou</a:t>
+            </a:r>
+            <a:r>
+              <a:rPr lang="en-GB" dirty="0" smtClean="0"/>
+              <a:t> </a:t>
+            </a:r>
+            <a:r>
+              <a:rPr lang="en-GB" dirty="0" err="1" smtClean="0"/>
+              <a:t>textarea</a:t>
+            </a:r>
             <a:endParaRPr lang="en-GB" dirty="0" smtClean="0"/>
+          </a:p>
+          <a:p>
+            <a:endParaRPr lang="en-GB" dirty="0"/>
+          </a:p>
+          <a:p>
+            <a:endParaRPr lang="en-GB" dirty="0" smtClean="0"/>
+          </a:p>
+          <a:p>
+            <a:r>
+              <a:rPr lang="en-GB" dirty="0" err="1" smtClean="0"/>
+              <a:t>Comportement</a:t>
+            </a:r>
+            <a:endParaRPr lang="en-GB" dirty="0" smtClean="0"/>
+          </a:p>
+          <a:p>
+            <a:pPr lvl="1"/>
+            <a:r>
+              <a:rPr lang="en-US" dirty="0" smtClean="0"/>
+              <a:t>Double Binding</a:t>
+            </a:r>
+          </a:p>
+          <a:p>
+            <a:pPr lvl="1"/>
+            <a:r>
+              <a:rPr lang="en-US" dirty="0" smtClean="0"/>
+              <a:t>Validation</a:t>
+            </a:r>
+          </a:p>
+          <a:p>
+            <a:pPr lvl="1"/>
+            <a:r>
+              <a:rPr lang="en-US" dirty="0" err="1" smtClean="0"/>
+              <a:t>Assigne</a:t>
+            </a:r>
+            <a:r>
+              <a:rPr lang="en-US" dirty="0" smtClean="0"/>
+              <a:t> </a:t>
+            </a:r>
+            <a:r>
+              <a:rPr lang="en-US" dirty="0"/>
+              <a:t>d</a:t>
+            </a:r>
+            <a:r>
+              <a:rPr lang="en-US" dirty="0" smtClean="0"/>
+              <a:t>es classes CSS (</a:t>
+            </a:r>
+            <a:r>
+              <a:rPr lang="en-US" dirty="0"/>
+              <a:t>ng-valid, ng-invalid, ng-dirty, ng-pristine, ng-touched, ng-untouched, ng-empty, </a:t>
+            </a:r>
+            <a:r>
+              <a:rPr lang="en-US" dirty="0" smtClean="0"/>
+              <a:t>ng-not-empty)</a:t>
+            </a:r>
+            <a:endParaRPr lang="en-US" dirty="0"/>
           </a:p>
           <a:p>
             <a:pPr marL="0" indent="0">
@@ -10752,9 +10334,6 @@
           <a:p>
             <a:endParaRPr lang="en-GB" dirty="0" smtClean="0"/>
           </a:p>
-          <a:p>
-            <a:endParaRPr lang="en-GB" dirty="0"/>
-          </a:p>
         </p:txBody>
       </p:sp>
       <p:sp>
@@ -10774,7 +10353,7 @@
           <a:p>
             <a:r>
               <a:rPr lang="en-GB" dirty="0" smtClean="0"/>
-              <a:t>NG-Repeat</a:t>
+              <a:t>NG-Model</a:t>
             </a:r>
             <a:endParaRPr lang="en-GB" dirty="0"/>
           </a:p>
@@ -10837,231 +10416,6 @@
       </p:sp>
       <p:sp>
         <p:nvSpPr>
-          <p:cNvPr id="8" name="ZoneTexte 7"/>
-          <p:cNvSpPr txBox="1"/>
-          <p:nvPr/>
-        </p:nvSpPr>
-        <p:spPr>
-          <a:xfrm>
-            <a:off x="955582" y="1790056"/>
-            <a:ext cx="7029450" cy="1748510"/>
-          </a:xfrm>
-          <a:prstGeom prst="rect">
-            <a:avLst/>
-          </a:prstGeom>
-        </p:spPr>
-        <p:style>
-          <a:lnRef idx="2">
-            <a:schemeClr val="accent4"/>
-          </a:lnRef>
-          <a:fillRef idx="1">
-            <a:schemeClr val="lt1"/>
-          </a:fillRef>
-          <a:effectRef idx="0">
-            <a:schemeClr val="accent4"/>
-          </a:effectRef>
-          <a:fontRef idx="minor">
-            <a:schemeClr val="dk1"/>
-          </a:fontRef>
-        </p:style>
-        <p:txBody>
-          <a:bodyPr wrap="square" lIns="180000" tIns="180000" rIns="180000" bIns="180000" rtlCol="0">
-            <a:spAutoFit/>
-          </a:bodyPr>
-          <a:lstStyle/>
-          <a:p>
-            <a:r>
-              <a:rPr lang="fr-FR" i="1" dirty="0" smtClean="0"/>
-              <a:t>Liste de mes amis: &lt;</a:t>
-            </a:r>
-            <a:r>
-              <a:rPr lang="fr-FR" i="1" dirty="0" err="1" smtClean="0"/>
-              <a:t>ul</a:t>
-            </a:r>
-            <a:r>
-              <a:rPr lang="fr-FR" i="1" dirty="0" smtClean="0"/>
-              <a:t>&gt; </a:t>
-            </a:r>
-            <a:br>
-              <a:rPr lang="fr-FR" i="1" dirty="0" smtClean="0"/>
-            </a:br>
-            <a:r>
-              <a:rPr lang="fr-FR" i="1" dirty="0" smtClean="0"/>
-              <a:t>    &lt;</a:t>
-            </a:r>
-            <a:r>
-              <a:rPr lang="fr-FR" i="1" dirty="0"/>
-              <a:t>li </a:t>
-            </a:r>
-            <a:r>
-              <a:rPr lang="fr-FR" i="1" dirty="0" smtClean="0"/>
-              <a:t> </a:t>
-            </a:r>
-            <a:r>
-              <a:rPr lang="fr-FR" b="1" i="1" dirty="0" err="1" smtClean="0">
-                <a:solidFill>
-                  <a:schemeClr val="tx1"/>
-                </a:solidFill>
-              </a:rPr>
-              <a:t>ng-repeat</a:t>
-            </a:r>
-            <a:r>
-              <a:rPr lang="fr-FR" i="1" dirty="0"/>
-              <a:t>="</a:t>
-            </a:r>
-            <a:r>
-              <a:rPr lang="fr-FR" b="1" i="1" dirty="0" err="1">
-                <a:solidFill>
-                  <a:schemeClr val="tx1"/>
-                </a:solidFill>
-              </a:rPr>
-              <a:t>friend</a:t>
-            </a:r>
-            <a:r>
-              <a:rPr lang="fr-FR" b="1" i="1" dirty="0">
-                <a:solidFill>
-                  <a:schemeClr val="tx1"/>
-                </a:solidFill>
-              </a:rPr>
-              <a:t> in </a:t>
-            </a:r>
-            <a:r>
-              <a:rPr lang="fr-FR" b="1" i="1" dirty="0" err="1" smtClean="0">
-                <a:solidFill>
-                  <a:schemeClr val="tx1"/>
-                </a:solidFill>
-              </a:rPr>
-              <a:t>friends</a:t>
-            </a:r>
-            <a:r>
-              <a:rPr lang="fr-FR" i="1" dirty="0" smtClean="0"/>
-              <a:t>"&gt;</a:t>
-            </a:r>
-            <a:br>
-              <a:rPr lang="fr-FR" i="1" dirty="0" smtClean="0"/>
-            </a:br>
-            <a:r>
-              <a:rPr lang="fr-FR" i="1" dirty="0"/>
-              <a:t> </a:t>
-            </a:r>
-            <a:r>
-              <a:rPr lang="fr-FR" i="1" dirty="0" smtClean="0"/>
-              <a:t>             [{{</a:t>
-            </a:r>
-            <a:r>
-              <a:rPr lang="fr-FR" b="1" i="1" dirty="0" smtClean="0">
-                <a:solidFill>
-                  <a:schemeClr val="tx1"/>
-                </a:solidFill>
-              </a:rPr>
-              <a:t>$</a:t>
-            </a:r>
-            <a:r>
-              <a:rPr lang="fr-FR" b="1" i="1" dirty="0">
-                <a:solidFill>
-                  <a:schemeClr val="tx1"/>
-                </a:solidFill>
-              </a:rPr>
-              <a:t>index</a:t>
-            </a:r>
-            <a:r>
-              <a:rPr lang="fr-FR" i="1" dirty="0"/>
-              <a:t> + 1}}] {{</a:t>
-            </a:r>
-            <a:r>
-              <a:rPr lang="fr-FR" b="1" i="1" dirty="0">
-                <a:solidFill>
-                  <a:schemeClr val="tx1"/>
-                </a:solidFill>
-              </a:rPr>
-              <a:t>friend</a:t>
-            </a:r>
-            <a:r>
-              <a:rPr lang="fr-FR" i="1" dirty="0"/>
-              <a:t>.name}} </a:t>
-            </a:r>
-            <a:r>
-              <a:rPr lang="fr-FR" i="1" dirty="0" err="1"/>
-              <a:t>who</a:t>
-            </a:r>
-            <a:r>
-              <a:rPr lang="fr-FR" i="1" dirty="0"/>
-              <a:t> </a:t>
-            </a:r>
-            <a:r>
-              <a:rPr lang="fr-FR" i="1" dirty="0" err="1"/>
-              <a:t>is</a:t>
-            </a:r>
-            <a:r>
-              <a:rPr lang="fr-FR" i="1" dirty="0"/>
-              <a:t> {{</a:t>
-            </a:r>
-            <a:r>
-              <a:rPr lang="fr-FR" b="1" i="1" dirty="0" err="1">
-                <a:solidFill>
-                  <a:schemeClr val="tx1"/>
-                </a:solidFill>
-              </a:rPr>
-              <a:t>friend</a:t>
-            </a:r>
-            <a:r>
-              <a:rPr lang="fr-FR" i="1" dirty="0" err="1"/>
-              <a:t>.age</a:t>
-            </a:r>
-            <a:r>
-              <a:rPr lang="fr-FR" i="1" dirty="0"/>
-              <a:t>}} </a:t>
-            </a:r>
-            <a:r>
-              <a:rPr lang="fr-FR" i="1" dirty="0" err="1"/>
-              <a:t>years</a:t>
-            </a:r>
-            <a:r>
-              <a:rPr lang="fr-FR" i="1" dirty="0"/>
-              <a:t> </a:t>
-            </a:r>
-            <a:r>
-              <a:rPr lang="fr-FR" i="1" dirty="0" err="1"/>
-              <a:t>old</a:t>
-            </a:r>
-            <a:r>
-              <a:rPr lang="fr-FR" i="1" dirty="0" smtClean="0"/>
-              <a:t>.</a:t>
-            </a:r>
-          </a:p>
-          <a:p>
-            <a:r>
-              <a:rPr lang="fr-FR" i="1" dirty="0"/>
-              <a:t> </a:t>
-            </a:r>
-            <a:r>
-              <a:rPr lang="fr-FR" i="1" dirty="0" smtClean="0"/>
-              <a:t>   &lt;/</a:t>
-            </a:r>
-            <a:r>
-              <a:rPr lang="fr-FR" i="1" dirty="0"/>
-              <a:t>li&gt; </a:t>
-            </a:r>
-            <a:endParaRPr lang="fr-FR" i="1" dirty="0" smtClean="0"/>
-          </a:p>
-          <a:p>
-            <a:r>
-              <a:rPr lang="fr-FR" i="1" dirty="0" smtClean="0"/>
-              <a:t>&lt;/</a:t>
-            </a:r>
-            <a:r>
-              <a:rPr lang="fr-FR" i="1" dirty="0" err="1"/>
-              <a:t>ul</a:t>
-            </a:r>
-            <a:r>
-              <a:rPr lang="fr-FR" i="1" dirty="0"/>
-              <a:t>&gt;</a:t>
-            </a:r>
-          </a:p>
-        </p:txBody>
-      </p:sp>
-      <p:sp>
-        <p:nvSpPr>
           <p:cNvPr id="10" name="Espace réservé du texte 5"/>
           <p:cNvSpPr>
             <a:spLocks noGrp="1"/>
@@ -11092,34 +10446,119 @@
           </a:p>
         </p:txBody>
       </p:sp>
-      <p:pic>
-        <p:nvPicPr>
-          <p:cNvPr id="6" name="Image 5"/>
-          <p:cNvPicPr>
-            <a:picLocks noChangeAspect="1"/>
-          </p:cNvPicPr>
+      <p:sp>
+        <p:nvSpPr>
+          <p:cNvPr id="6" name="ZoneTexte 5"/>
+          <p:cNvSpPr txBox="1"/>
           <p:nvPr/>
-        </p:nvPicPr>
-        <p:blipFill>
-          <a:blip r:embed="rId2"/>
-          <a:stretch>
-            <a:fillRect/>
-          </a:stretch>
-        </p:blipFill>
+        </p:nvSpPr>
         <p:spPr>
           <a:xfrm>
-            <a:off x="1231355" y="3668687"/>
-            <a:ext cx="6477904" cy="2581635"/>
+            <a:off x="1371600" y="2432957"/>
+            <a:ext cx="6123214" cy="369332"/>
           </a:xfrm>
           <a:prstGeom prst="rect">
             <a:avLst/>
           </a:prstGeom>
+          <a:noFill/>
         </p:spPr>
-      </p:pic>
+        <p:txBody>
+          <a:bodyPr wrap="square" rtlCol="0">
+            <a:spAutoFit/>
+          </a:bodyPr>
+          <a:lstStyle/>
+          <a:p>
+            <a:r>
+              <a:rPr lang="en-US" dirty="0">
+                <a:latin typeface="Consolas" panose="020B0609020204030204" pitchFamily="49" charset="0"/>
+              </a:rPr>
+              <a:t>&lt;</a:t>
+            </a:r>
+            <a:r>
+              <a:rPr lang="en-US" b="1" dirty="0">
+                <a:solidFill>
+                  <a:srgbClr val="008000"/>
+                </a:solidFill>
+                <a:latin typeface="Consolas" panose="020B0609020204030204" pitchFamily="49" charset="0"/>
+              </a:rPr>
+              <a:t>input </a:t>
+            </a:r>
+            <a:r>
+              <a:rPr lang="en-US" b="1" dirty="0">
+                <a:solidFill>
+                  <a:srgbClr val="7D9029"/>
+                </a:solidFill>
+                <a:latin typeface="Consolas" panose="020B0609020204030204" pitchFamily="49" charset="0"/>
+              </a:rPr>
+              <a:t>ng-model</a:t>
+            </a:r>
+            <a:r>
+              <a:rPr lang="en-US" b="1" dirty="0">
+                <a:solidFill>
+                  <a:srgbClr val="666666"/>
+                </a:solidFill>
+                <a:latin typeface="Consolas" panose="020B0609020204030204" pitchFamily="49" charset="0"/>
+              </a:rPr>
+              <a:t>=</a:t>
+            </a:r>
+            <a:r>
+              <a:rPr lang="en-US" b="1" dirty="0">
+                <a:solidFill>
+                  <a:srgbClr val="BA2121"/>
+                </a:solidFill>
+                <a:latin typeface="Consolas" panose="020B0609020204030204" pitchFamily="49" charset="0"/>
+              </a:rPr>
+              <a:t>"user.name" </a:t>
+            </a:r>
+            <a:r>
+              <a:rPr lang="en-US" b="1" dirty="0">
+                <a:solidFill>
+                  <a:srgbClr val="7D9029"/>
+                </a:solidFill>
+                <a:latin typeface="Consolas" panose="020B0609020204030204" pitchFamily="49" charset="0"/>
+              </a:rPr>
+              <a:t>type</a:t>
+            </a:r>
+            <a:r>
+              <a:rPr lang="en-US" b="1" dirty="0">
+                <a:solidFill>
+                  <a:srgbClr val="666666"/>
+                </a:solidFill>
+                <a:latin typeface="Consolas" panose="020B0609020204030204" pitchFamily="49" charset="0"/>
+              </a:rPr>
+              <a:t>=</a:t>
+            </a:r>
+            <a:r>
+              <a:rPr lang="en-US" b="1" dirty="0">
+                <a:solidFill>
+                  <a:srgbClr val="BA2121"/>
+                </a:solidFill>
+                <a:latin typeface="Consolas" panose="020B0609020204030204" pitchFamily="49" charset="0"/>
+              </a:rPr>
+              <a:t>"text</a:t>
+            </a:r>
+            <a:r>
+              <a:rPr lang="en-US" b="1" dirty="0" smtClean="0">
+                <a:solidFill>
+                  <a:srgbClr val="BA2121"/>
+                </a:solidFill>
+                <a:latin typeface="Consolas" panose="020B0609020204030204" pitchFamily="49" charset="0"/>
+              </a:rPr>
+              <a:t>"&gt;</a:t>
+            </a:r>
+            <a:endParaRPr lang="en-US" b="1" dirty="0">
+              <a:solidFill>
+                <a:srgbClr val="BA2121"/>
+              </a:solidFill>
+              <a:latin typeface="Consolas" panose="020B0609020204030204" pitchFamily="49" charset="0"/>
+            </a:endParaRPr>
+          </a:p>
+        </p:txBody>
+      </p:sp>
     </p:spTree>
     <p:extLst>
       <p:ext uri="{BB962C8B-B14F-4D97-AF65-F5344CB8AC3E}">
-        <p14:creationId xmlns:p14="http://schemas.microsoft.com/office/powerpoint/2010/main" val="3463929539"/>
+        <p14:creationId xmlns:p14="http://schemas.microsoft.com/office/powerpoint/2010/main" val="2044415788"/>
       </p:ext>
     </p:extLst>
   </p:cSld>
@@ -11165,8 +10604,8 @@
         </p:nvSpPr>
         <p:spPr>
           <a:xfrm>
-            <a:off x="501302" y="1225368"/>
-            <a:ext cx="8088511" cy="878562"/>
+            <a:off x="515938" y="1247642"/>
+            <a:ext cx="8088511" cy="4681537"/>
           </a:xfrm>
         </p:spPr>
         <p:txBody>
@@ -11174,21 +10613,46 @@
           <a:lstStyle/>
           <a:p>
             <a:r>
-              <a:rPr lang="fr-FR" dirty="0">
-                <a:hlinkClick r:id="rId2"/>
-              </a:rPr>
-              <a:t>https://docs.angularjs.org/api/ng/directive</a:t>
-            </a:r>
-            <a:r>
-              <a:rPr lang="fr-FR" dirty="0" smtClean="0">
-                <a:hlinkClick r:id="rId2"/>
-              </a:rPr>
-              <a:t>/</a:t>
-            </a:r>
-            <a:endParaRPr lang="fr-FR" dirty="0" smtClean="0"/>
-          </a:p>
-          <a:p>
-            <a:endParaRPr lang="fr-FR" dirty="0"/>
+              <a:rPr lang="en-GB" dirty="0" smtClean="0"/>
+              <a:t>ng-repeat : </a:t>
+            </a:r>
+            <a:r>
+              <a:rPr lang="en-GB" dirty="0" err="1" smtClean="0"/>
+              <a:t>Permet</a:t>
+            </a:r>
+            <a:r>
+              <a:rPr lang="en-GB" dirty="0" smtClean="0"/>
+              <a:t> de </a:t>
+            </a:r>
+            <a:r>
+              <a:rPr lang="en-GB" dirty="0" err="1" smtClean="0"/>
+              <a:t>répéter</a:t>
+            </a:r>
+            <a:r>
+              <a:rPr lang="en-GB" dirty="0" smtClean="0"/>
+              <a:t> le </a:t>
+            </a:r>
+            <a:r>
+              <a:rPr lang="en-GB" dirty="0" err="1" smtClean="0"/>
+              <a:t>contenu</a:t>
+            </a:r>
+            <a:r>
+              <a:rPr lang="en-GB" dirty="0" smtClean="0"/>
+              <a:t> </a:t>
+            </a:r>
+            <a:r>
+              <a:rPr lang="en-GB" dirty="0" err="1" smtClean="0"/>
+              <a:t>d’une</a:t>
+            </a:r>
+            <a:r>
+              <a:rPr lang="en-GB" dirty="0" smtClean="0"/>
+              <a:t> </a:t>
+            </a:r>
+            <a:r>
+              <a:rPr lang="en-GB" dirty="0" err="1" smtClean="0"/>
+              <a:t>balise</a:t>
+            </a:r>
+            <a:endParaRPr lang="en-GB" dirty="0" smtClean="0"/>
           </a:p>
         </p:txBody>
       </p:sp>
@@ -11208,10 +10672,10 @@
           <a:lstStyle/>
           <a:p>
             <a:r>
-              <a:rPr lang="fr-FR" dirty="0" smtClean="0"/>
-              <a:t>Les directives</a:t>
-            </a:r>
-            <a:endParaRPr lang="fr-FR" dirty="0"/>
+              <a:rPr lang="en-GB" dirty="0" smtClean="0"/>
+              <a:t>NG-Repeat</a:t>
+            </a:r>
+            <a:endParaRPr lang="en-GB" dirty="0"/>
           </a:p>
         </p:txBody>
       </p:sp>
@@ -11236,8 +10700,13 @@
             </a:r>
             <a:r>
               <a:rPr lang="fr-FR" dirty="0"/>
-              <a:t> JS 1 : Les directives</a:t>
-            </a:r>
+              <a:t> JS 1 : Les </a:t>
+            </a:r>
+            <a:r>
+              <a:rPr lang="fr-FR" dirty="0" smtClean="0"/>
+              <a:t>directives</a:t>
+            </a:r>
+            <a:endParaRPr lang="fr-FR" dirty="0"/>
           </a:p>
         </p:txBody>
       </p:sp>
@@ -11267,7 +10736,7 @@
       </p:sp>
       <p:sp>
         <p:nvSpPr>
-          <p:cNvPr id="6" name="Espace réservé du texte 5"/>
+          <p:cNvPr id="10" name="Espace réservé du texte 5"/>
           <p:cNvSpPr>
             <a:spLocks noGrp="1"/>
           </p:cNvSpPr>
@@ -11275,750 +10744,263 @@
             <p:ph type="body" sz="quarter" idx="13"/>
           </p:nvPr>
         </p:nvSpPr>
-        <p:spPr/>
+        <p:spPr>
+          <a:xfrm>
+            <a:off x="544439" y="656624"/>
+            <a:ext cx="8045450" cy="269875"/>
+          </a:xfrm>
+        </p:spPr>
         <p:txBody>
           <a:bodyPr/>
           <a:lstStyle/>
           <a:p>
             <a:r>
-              <a:rPr lang="fr-FR" cap="none" dirty="0" smtClean="0"/>
-              <a:t>Les 64 directives standards</a:t>
-            </a:r>
-            <a:endParaRPr lang="fr-FR" cap="none" dirty="0"/>
+              <a:rPr lang="en-GB" cap="none" dirty="0"/>
+              <a:t>https://</a:t>
+            </a:r>
+            <a:r>
+              <a:rPr lang="en-GB" cap="none" dirty="0" smtClean="0"/>
+              <a:t>docs.angularjs.org/api/ng/directive/ngRepeat</a:t>
+            </a:r>
+            <a:endParaRPr lang="en-GB" cap="none" dirty="0"/>
           </a:p>
         </p:txBody>
       </p:sp>
       <p:pic>
         <p:nvPicPr>
-          <p:cNvPr id="7" name="Image 6"/>
+          <p:cNvPr id="6" name="Image 5"/>
           <p:cNvPicPr>
             <a:picLocks noChangeAspect="1"/>
           </p:cNvPicPr>
           <p:nvPr/>
         </p:nvPicPr>
         <p:blipFill>
-          <a:blip r:embed="rId3"/>
+          <a:blip r:embed="rId2"/>
           <a:stretch>
             <a:fillRect/>
           </a:stretch>
         </p:blipFill>
         <p:spPr>
           <a:xfrm>
-            <a:off x="793493" y="1674849"/>
-            <a:ext cx="7076075" cy="4645031"/>
+            <a:off x="777583" y="3363665"/>
+            <a:ext cx="7207087" cy="2872236"/>
           </a:xfrm>
           <a:prstGeom prst="rect">
             <a:avLst/>
           </a:prstGeom>
         </p:spPr>
       </p:pic>
-    </p:spTree>
-    <p:extLst>
-      <p:ext uri="{BB962C8B-B14F-4D97-AF65-F5344CB8AC3E}">
-        <p14:creationId xmlns:p14="http://schemas.microsoft.com/office/powerpoint/2010/main" val="3836172023"/>
-      </p:ext>
-    </p:extLst>
-  </p:cSld>
-  <p:clrMapOvr>
-    <a:masterClrMapping/>
-  </p:clrMapOvr>
-  <p:timing>
-    <p:tnLst>
-      <p:par>
-        <p:cTn id="1" dur="indefinite" restart="never" nodeType="tmRoot"/>
-      </p:par>
-    </p:tnLst>
-  </p:timing>
-</p:sld>
-</file>
-
-<file path=ppt/slides/slide8.xml><?xml version="1.0" encoding="utf-8"?>
-<p:sld xmlns:a="http://schemas.openxmlformats.org/drawingml/2006/main" xmlns:r="http://schemas.openxmlformats.org/officeDocument/2006/relationships" xmlns:p="http://schemas.openxmlformats.org/presentationml/2006/main">
-  <p:cSld>
-    <p:spTree>
-      <p:nvGrpSpPr>
-        <p:cNvPr id="1" name=""/>
-        <p:cNvGrpSpPr/>
-        <p:nvPr/>
-      </p:nvGrpSpPr>
-      <p:grpSpPr>
-        <a:xfrm>
-          <a:off x="0" y="0"/>
-          <a:ext cx="0" cy="0"/>
-          <a:chOff x="0" y="0"/>
-          <a:chExt cx="0" cy="0"/>
-        </a:xfrm>
-      </p:grpSpPr>
-      <p:sp>
-        <p:nvSpPr>
-          <p:cNvPr id="3" name="Titre 2"/>
-          <p:cNvSpPr>
-            <a:spLocks noGrp="1"/>
-          </p:cNvSpPr>
-          <p:nvPr>
-            <p:ph type="title"/>
-          </p:nvPr>
-        </p:nvSpPr>
-        <p:spPr/>
-        <p:txBody>
-          <a:bodyPr/>
-          <a:lstStyle/>
-          <a:p>
-            <a:r>
-              <a:rPr lang="fr-FR" dirty="0"/>
-              <a:t>TODO </a:t>
-            </a:r>
-            <a:r>
-              <a:rPr lang="fr-FR" dirty="0" err="1"/>
-              <a:t>exercise</a:t>
-            </a:r>
-            <a:endParaRPr lang="en-GB" dirty="0"/>
-          </a:p>
-        </p:txBody>
-      </p:sp>
-      <p:sp>
-        <p:nvSpPr>
-          <p:cNvPr id="2" name="Espace réservé du pied de page 1"/>
-          <p:cNvSpPr>
-            <a:spLocks noGrp="1"/>
-          </p:cNvSpPr>
-          <p:nvPr>
-            <p:ph type="ftr" sz="quarter" idx="11"/>
-          </p:nvPr>
-        </p:nvSpPr>
-        <p:spPr/>
-        <p:txBody>
-          <a:bodyPr/>
-          <a:lstStyle/>
-          <a:p>
-            <a:r>
-              <a:rPr lang="fr-FR" dirty="0" err="1"/>
-              <a:t>Angular</a:t>
-            </a:r>
-            <a:r>
-              <a:rPr lang="fr-FR" dirty="0"/>
-              <a:t> JS 1 : Les directives</a:t>
-            </a:r>
-          </a:p>
-        </p:txBody>
-      </p:sp>
-      <p:sp>
-        <p:nvSpPr>
-          <p:cNvPr id="5" name="Espace réservé du numéro de diapositive 4"/>
-          <p:cNvSpPr>
-            <a:spLocks noGrp="1"/>
-          </p:cNvSpPr>
-          <p:nvPr>
-            <p:ph type="sldNum" sz="quarter" idx="12"/>
-          </p:nvPr>
-        </p:nvSpPr>
-        <p:spPr/>
-        <p:txBody>
-          <a:bodyPr/>
-          <a:lstStyle/>
-          <a:p>
-            <a:fld id="{AF43E6FD-AB27-4108-A2FC-346BB5F75E3F}" type="slidenum">
-              <a:rPr lang="fr-FR" smtClean="0"/>
-              <a:pPr/>
-              <a:t>8</a:t>
-            </a:fld>
-            <a:endParaRPr lang="fr-FR" dirty="0"/>
-          </a:p>
-        </p:txBody>
-      </p:sp>
-      <p:pic>
-        <p:nvPicPr>
-          <p:cNvPr id="8" name="Espace réservé pour une image  9" descr="Fotolia_42179448_S.jpg"/>
-          <p:cNvPicPr>
-            <a:picLocks noGrp="1" noChangeAspect="1"/>
-          </p:cNvPicPr>
-          <p:nvPr>
-            <p:ph type="pic" sz="quarter" idx="13"/>
-          </p:nvPr>
-        </p:nvPicPr>
-        <p:blipFill>
-          <a:blip r:embed="rId3"/>
-          <a:srcRect l="5409" r="5409"/>
-          <a:stretch>
-            <a:fillRect/>
-          </a:stretch>
-        </p:blipFill>
+      <p:sp>
+        <p:nvSpPr>
+          <p:cNvPr id="15" name="ZoneTexte 14"/>
+          <p:cNvSpPr txBox="1"/>
+          <p:nvPr/>
+        </p:nvSpPr>
         <p:spPr>
           <a:xfrm>
-            <a:off x="5665115" y="2419350"/>
-            <a:ext cx="3478884" cy="3746501"/>
-          </a:xfrm>
-        </p:spPr>
-      </p:pic>
-      <p:sp>
-        <p:nvSpPr>
-          <p:cNvPr id="13" name="Espace réservé du contenu 12"/>
-          <p:cNvSpPr>
-            <a:spLocks noGrp="1"/>
-          </p:cNvSpPr>
-          <p:nvPr>
-            <p:ph idx="1"/>
-          </p:nvPr>
-        </p:nvSpPr>
-        <p:spPr>
-          <a:xfrm>
-            <a:off x="515937" y="1484312"/>
-            <a:ext cx="5149177" cy="4681537"/>
-          </a:xfrm>
-        </p:spPr>
-        <p:txBody>
-          <a:bodyPr>
-            <a:normAutofit fontScale="85000" lnSpcReduction="10000"/>
-          </a:bodyPr>
-          <a:lstStyle/>
-          <a:p>
-            <a:pPr>
-              <a:buFont typeface="Arial" pitchFamily="34" charset="0"/>
-              <a:buChar char="•"/>
-            </a:pPr>
-            <a:r>
-              <a:rPr lang="en-GB" dirty="0" smtClean="0"/>
-              <a:t>Define  </a:t>
-            </a:r>
-            <a:r>
-              <a:rPr lang="en-GB" dirty="0"/>
-              <a:t>a </a:t>
-            </a:r>
-            <a:r>
-              <a:rPr lang="en-GB" dirty="0" err="1"/>
-              <a:t>var</a:t>
-            </a:r>
-            <a:r>
-              <a:rPr lang="en-GB" dirty="0"/>
-              <a:t> named "</a:t>
-            </a:r>
-            <a:r>
-              <a:rPr lang="en-GB" dirty="0" err="1"/>
-              <a:t>todos</a:t>
-            </a:r>
-            <a:r>
-              <a:rPr lang="en-GB" dirty="0"/>
-              <a:t>" and define a few tasks in it with 2 properties : title, and completed, show the title  in the list on the HTML page</a:t>
-            </a:r>
-          </a:p>
-          <a:p>
-            <a:pPr>
-              <a:buFont typeface="Arial" pitchFamily="34" charset="0"/>
-              <a:buChar char="•"/>
-            </a:pPr>
-            <a:r>
-              <a:rPr lang="en-GB" dirty="0"/>
-              <a:t>Apply the class </a:t>
-            </a:r>
-            <a:r>
-              <a:rPr lang="en-GB" b="1" dirty="0"/>
-              <a:t>#</a:t>
-            </a:r>
-            <a:r>
-              <a:rPr lang="en-GB" b="1" dirty="0" err="1"/>
-              <a:t>todo</a:t>
-            </a:r>
-            <a:r>
-              <a:rPr lang="en-GB" b="1" dirty="0"/>
-              <a:t>-list </a:t>
-            </a:r>
-            <a:r>
-              <a:rPr lang="en-GB" b="1" dirty="0" err="1"/>
-              <a:t>li</a:t>
-            </a:r>
-            <a:r>
-              <a:rPr lang="en-GB" dirty="0" err="1"/>
-              <a:t>.</a:t>
-            </a:r>
-            <a:r>
-              <a:rPr lang="en-GB" b="1" dirty="0" err="1"/>
-              <a:t>completed</a:t>
-            </a:r>
-            <a:r>
-              <a:rPr lang="en-GB" b="1" dirty="0"/>
-              <a:t> label </a:t>
-            </a:r>
-            <a:r>
-              <a:rPr lang="en-GB" dirty="0"/>
-              <a:t>using </a:t>
-            </a:r>
-            <a:r>
-              <a:rPr lang="en-GB" dirty="0" err="1"/>
-              <a:t>ng</a:t>
-            </a:r>
-            <a:r>
-              <a:rPr lang="en-GB" dirty="0"/>
-              <a:t>-class  (add 'completed' </a:t>
-            </a:r>
-            <a:r>
-              <a:rPr lang="en-GB" dirty="0" err="1"/>
-              <a:t>css</a:t>
-            </a:r>
-            <a:r>
-              <a:rPr lang="en-GB" dirty="0"/>
-              <a:t>  to the </a:t>
-            </a:r>
-            <a:r>
-              <a:rPr lang="en-GB" dirty="0" err="1"/>
-              <a:t>li</a:t>
-            </a:r>
-            <a:r>
-              <a:rPr lang="en-GB" dirty="0"/>
-              <a:t>)</a:t>
-            </a:r>
-          </a:p>
-          <a:p>
-            <a:pPr>
-              <a:buFont typeface="Arial" pitchFamily="34" charset="0"/>
-              <a:buChar char="•"/>
-            </a:pPr>
-            <a:r>
-              <a:rPr lang="en-GB" dirty="0"/>
-              <a:t>Show the 'completed' property for a task and enable to toggle a task from completed true </a:t>
-            </a:r>
-            <a:r>
-              <a:rPr lang="en-GB" dirty="0">
-                <a:sym typeface="Wingdings" pitchFamily="2" charset="2"/>
-              </a:rPr>
-              <a:t>to false, and reverse to true. (checkbox) (</a:t>
-            </a:r>
-            <a:r>
-              <a:rPr lang="en-GB" dirty="0" err="1">
-                <a:sym typeface="Wingdings" pitchFamily="2" charset="2"/>
-              </a:rPr>
-              <a:t>ng</a:t>
-            </a:r>
-            <a:r>
-              <a:rPr lang="en-GB" dirty="0">
-                <a:sym typeface="Wingdings" pitchFamily="2" charset="2"/>
-              </a:rPr>
-              <a:t>-model)</a:t>
-            </a:r>
-            <a:endParaRPr lang="en-GB" dirty="0"/>
-          </a:p>
-          <a:p>
-            <a:pPr>
-              <a:buFont typeface="Arial" pitchFamily="34" charset="0"/>
-              <a:buChar char="•"/>
-            </a:pPr>
-            <a:r>
-              <a:rPr lang="en-GB" dirty="0"/>
-              <a:t>Delete a task</a:t>
-            </a:r>
-          </a:p>
-          <a:p>
-            <a:pPr>
-              <a:buFont typeface="Arial" pitchFamily="34" charset="0"/>
-              <a:buChar char="•"/>
-            </a:pPr>
-            <a:r>
-              <a:rPr lang="en-GB" dirty="0"/>
-              <a:t>Add a task  ( add </a:t>
-            </a:r>
-            <a:r>
-              <a:rPr lang="en-GB" dirty="0" err="1"/>
-              <a:t>ng</a:t>
-            </a:r>
-            <a:r>
-              <a:rPr lang="en-GB" dirty="0"/>
-              <a:t>-submit on the &lt;form&gt; )</a:t>
-            </a:r>
-          </a:p>
-          <a:p>
-            <a:pPr>
-              <a:buFont typeface="Arial" pitchFamily="34" charset="0"/>
-              <a:buChar char="•"/>
-            </a:pPr>
-            <a:r>
-              <a:rPr lang="en-GB" dirty="0" err="1"/>
-              <a:t>UnCompleting</a:t>
-            </a:r>
-            <a:r>
-              <a:rPr lang="en-GB" dirty="0"/>
-              <a:t>/Completing all tasks by clicking on the top 'v' </a:t>
-            </a:r>
-            <a:r>
-              <a:rPr lang="en-GB" dirty="0" smtClean="0"/>
-              <a:t>arrow</a:t>
-            </a:r>
-          </a:p>
-          <a:p>
-            <a:pPr>
-              <a:buFont typeface="Arial" pitchFamily="34" charset="0"/>
-              <a:buChar char="•"/>
-            </a:pPr>
-            <a:r>
-              <a:rPr lang="en-GB" dirty="0"/>
-              <a:t>Define a </a:t>
-            </a:r>
-            <a:r>
-              <a:rPr lang="en-GB" dirty="0" smtClean="0"/>
-              <a:t>function named </a:t>
-            </a:r>
-            <a:r>
-              <a:rPr lang="en-GB" dirty="0"/>
-              <a:t>"remaining" </a:t>
-            </a:r>
-            <a:r>
-              <a:rPr lang="en-GB" dirty="0" smtClean="0"/>
-              <a:t>returning the number of remaining tasks and </a:t>
-            </a:r>
-            <a:r>
-              <a:rPr lang="en-GB" dirty="0"/>
-              <a:t>show it in html</a:t>
-            </a:r>
-            <a:endParaRPr lang="en-GB" dirty="0"/>
-          </a:p>
-        </p:txBody>
-      </p:sp>
-      <p:pic>
-        <p:nvPicPr>
-          <p:cNvPr id="7" name="Picture 2" descr="http://www.procas.com/blog/wp-content/uploads/2013/05/Geek-Zone.gif"/>
-          <p:cNvPicPr>
-            <a:picLocks noChangeAspect="1" noChangeArrowheads="1"/>
-          </p:cNvPicPr>
-          <p:nvPr/>
-        </p:nvPicPr>
-        <p:blipFill>
-          <a:blip r:embed="rId4">
-            <a:extLst>
-              <a:ext uri="{28A0092B-C50C-407E-A947-70E740481C1C}">
-                <a14:useLocalDpi xmlns:a14="http://schemas.microsoft.com/office/drawing/2010/main" val="0"/>
-              </a:ext>
-            </a:extLst>
-          </a:blip>
-          <a:srcRect/>
-          <a:stretch>
-            <a:fillRect/>
-          </a:stretch>
-        </p:blipFill>
-        <p:spPr bwMode="auto">
-          <a:xfrm>
-            <a:off x="8071538" y="145216"/>
-            <a:ext cx="1036549" cy="1036549"/>
+            <a:off x="261257" y="1834084"/>
+            <a:ext cx="8882743" cy="1754326"/>
           </a:xfrm>
           <a:prstGeom prst="rect">
             <a:avLst/>
           </a:prstGeom>
           <a:noFill/>
-          <a:extLst>
-            <a:ext uri="{909E8E84-426E-40DD-AFC4-6F175D3DCCD1}">
-              <a14:hiddenFill xmlns:a14="http://schemas.microsoft.com/office/drawing/2010/main">
+        </p:spPr>
+        <p:txBody>
+          <a:bodyPr wrap="square" rtlCol="0">
+            <a:spAutoFit/>
+          </a:bodyPr>
+          <a:lstStyle/>
+          <a:p>
+            <a:r>
+              <a:rPr lang="fr-FR" dirty="0">
+                <a:latin typeface="Consolas" panose="020B0609020204030204" pitchFamily="49" charset="0"/>
+              </a:rPr>
+              <a:t>&lt;</a:t>
+            </a:r>
+            <a:r>
+              <a:rPr lang="fr-FR" b="1" dirty="0" err="1">
                 <a:solidFill>
-                  <a:srgbClr val="FFFFFF"/>
+                  <a:srgbClr val="008000"/>
                 </a:solidFill>
-              </a14:hiddenFill>
-            </a:ext>
-          </a:extLst>
-        </p:spPr>
-      </p:pic>
+                <a:latin typeface="Consolas" panose="020B0609020204030204" pitchFamily="49" charset="0"/>
+              </a:rPr>
+              <a:t>ul</a:t>
+            </a:r>
+            <a:r>
+              <a:rPr lang="fr-FR" b="1" dirty="0">
+                <a:solidFill>
+                  <a:srgbClr val="008000"/>
+                </a:solidFill>
+                <a:latin typeface="Consolas" panose="020B0609020204030204" pitchFamily="49" charset="0"/>
+              </a:rPr>
+              <a:t>&gt;</a:t>
+            </a:r>
+          </a:p>
+          <a:p>
+            <a:r>
+              <a:rPr lang="en-US" dirty="0">
+                <a:latin typeface="Consolas" panose="020B0609020204030204" pitchFamily="49" charset="0"/>
+              </a:rPr>
+              <a:t>  &lt;</a:t>
+            </a:r>
+            <a:r>
+              <a:rPr lang="en-US" b="1" dirty="0">
+                <a:solidFill>
+                  <a:srgbClr val="008000"/>
+                </a:solidFill>
+                <a:latin typeface="Consolas" panose="020B0609020204030204" pitchFamily="49" charset="0"/>
+              </a:rPr>
+              <a:t>li </a:t>
+            </a:r>
+            <a:r>
+              <a:rPr lang="en-US" b="1" dirty="0">
+                <a:solidFill>
+                  <a:srgbClr val="7D9029"/>
+                </a:solidFill>
+                <a:latin typeface="Consolas" panose="020B0609020204030204" pitchFamily="49" charset="0"/>
+              </a:rPr>
+              <a:t>ng-repeat</a:t>
+            </a:r>
+            <a:r>
+              <a:rPr lang="en-US" b="1" dirty="0">
+                <a:solidFill>
+                  <a:srgbClr val="666666"/>
+                </a:solidFill>
+                <a:latin typeface="Consolas" panose="020B0609020204030204" pitchFamily="49" charset="0"/>
+              </a:rPr>
+              <a:t>=</a:t>
+            </a:r>
+            <a:r>
+              <a:rPr lang="en-US" b="1" dirty="0">
+                <a:solidFill>
+                  <a:srgbClr val="BA2121"/>
+                </a:solidFill>
+                <a:latin typeface="Consolas" panose="020B0609020204030204" pitchFamily="49" charset="0"/>
+              </a:rPr>
+              <a:t>"friend in friends"&gt;</a:t>
+            </a:r>
+          </a:p>
+          <a:p>
+            <a:r>
+              <a:rPr lang="fr-FR" dirty="0">
+                <a:latin typeface="Consolas" panose="020B0609020204030204" pitchFamily="49" charset="0"/>
+              </a:rPr>
+              <a:t>    [{{$index + 1}}] {{friend.name}} </a:t>
+            </a:r>
+            <a:r>
+              <a:rPr lang="fr-FR" dirty="0" err="1">
+                <a:latin typeface="Consolas" panose="020B0609020204030204" pitchFamily="49" charset="0"/>
+              </a:rPr>
+              <a:t>who</a:t>
+            </a:r>
+            <a:r>
+              <a:rPr lang="fr-FR" dirty="0">
+                <a:latin typeface="Consolas" panose="020B0609020204030204" pitchFamily="49" charset="0"/>
+              </a:rPr>
+              <a:t> </a:t>
+            </a:r>
+            <a:r>
+              <a:rPr lang="fr-FR" dirty="0" err="1">
+                <a:latin typeface="Consolas" panose="020B0609020204030204" pitchFamily="49" charset="0"/>
+              </a:rPr>
+              <a:t>is</a:t>
+            </a:r>
+            <a:r>
+              <a:rPr lang="fr-FR" dirty="0">
+                <a:latin typeface="Consolas" panose="020B0609020204030204" pitchFamily="49" charset="0"/>
+              </a:rPr>
+              <a:t> {{</a:t>
+            </a:r>
+            <a:r>
+              <a:rPr lang="fr-FR" dirty="0" err="1">
+                <a:latin typeface="Consolas" panose="020B0609020204030204" pitchFamily="49" charset="0"/>
+              </a:rPr>
+              <a:t>friend.age</a:t>
+            </a:r>
+            <a:r>
+              <a:rPr lang="fr-FR" dirty="0">
+                <a:latin typeface="Consolas" panose="020B0609020204030204" pitchFamily="49" charset="0"/>
+              </a:rPr>
+              <a:t>}} </a:t>
+            </a:r>
+            <a:r>
+              <a:rPr lang="fr-FR" dirty="0" err="1">
+                <a:latin typeface="Consolas" panose="020B0609020204030204" pitchFamily="49" charset="0"/>
+              </a:rPr>
+              <a:t>years</a:t>
+            </a:r>
+            <a:r>
+              <a:rPr lang="fr-FR" dirty="0">
+                <a:latin typeface="Consolas" panose="020B0609020204030204" pitchFamily="49" charset="0"/>
+              </a:rPr>
+              <a:t> </a:t>
+            </a:r>
+            <a:r>
+              <a:rPr lang="fr-FR" dirty="0" err="1">
+                <a:latin typeface="Consolas" panose="020B0609020204030204" pitchFamily="49" charset="0"/>
+              </a:rPr>
+              <a:t>old</a:t>
+            </a:r>
+            <a:r>
+              <a:rPr lang="fr-FR" dirty="0">
+                <a:latin typeface="Consolas" panose="020B0609020204030204" pitchFamily="49" charset="0"/>
+              </a:rPr>
+              <a:t>.</a:t>
+            </a:r>
+          </a:p>
+          <a:p>
+            <a:r>
+              <a:rPr lang="fr-FR" dirty="0">
+                <a:latin typeface="Consolas" panose="020B0609020204030204" pitchFamily="49" charset="0"/>
+              </a:rPr>
+              <a:t>  &lt;/</a:t>
+            </a:r>
+            <a:r>
+              <a:rPr lang="fr-FR" b="1" dirty="0">
+                <a:solidFill>
+                  <a:srgbClr val="008000"/>
+                </a:solidFill>
+                <a:latin typeface="Consolas" panose="020B0609020204030204" pitchFamily="49" charset="0"/>
+              </a:rPr>
+              <a:t>li&gt; </a:t>
+            </a:r>
+          </a:p>
+          <a:p>
+            <a:r>
+              <a:rPr lang="fr-FR" dirty="0">
+                <a:latin typeface="Consolas" panose="020B0609020204030204" pitchFamily="49" charset="0"/>
+              </a:rPr>
+              <a:t>&lt;/</a:t>
+            </a:r>
+            <a:r>
+              <a:rPr lang="fr-FR" b="1" dirty="0" err="1">
+                <a:solidFill>
+                  <a:srgbClr val="008000"/>
+                </a:solidFill>
+                <a:latin typeface="Consolas" panose="020B0609020204030204" pitchFamily="49" charset="0"/>
+              </a:rPr>
+              <a:t>ul</a:t>
+            </a:r>
+            <a:r>
+              <a:rPr lang="fr-FR" b="1" dirty="0">
+                <a:solidFill>
+                  <a:srgbClr val="008000"/>
+                </a:solidFill>
+                <a:latin typeface="Consolas" panose="020B0609020204030204" pitchFamily="49" charset="0"/>
+              </a:rPr>
+              <a:t>&gt;</a:t>
+            </a:r>
+          </a:p>
+          <a:p>
+            <a:endParaRPr lang="fr-FR" dirty="0"/>
+          </a:p>
+        </p:txBody>
+      </p:sp>
     </p:spTree>
     <p:extLst>
       <p:ext uri="{BB962C8B-B14F-4D97-AF65-F5344CB8AC3E}">
-        <p14:creationId xmlns:p14="http://schemas.microsoft.com/office/powerpoint/2010/main" val="131312719"/>
-      </p:ext>
-    </p:extLst>
-  </p:cSld>
-  <p:clrMapOvr>
-    <a:masterClrMapping/>
-  </p:clrMapOvr>
-  <p:timing>
-    <p:tnLst>
-      <p:par>
-        <p:cTn id="1" dur="indefinite" restart="never" nodeType="tmRoot"/>
-      </p:par>
-    </p:tnLst>
-  </p:timing>
-</p:sld>
-</file>
-
-<file path=ppt/slides/slide9.xml><?xml version="1.0" encoding="utf-8"?>
-<p:sld xmlns:a="http://schemas.openxmlformats.org/drawingml/2006/main" xmlns:r="http://schemas.openxmlformats.org/officeDocument/2006/relationships" xmlns:p="http://schemas.openxmlformats.org/presentationml/2006/main">
-  <p:cSld>
-    <p:spTree>
-      <p:nvGrpSpPr>
-        <p:cNvPr id="1" name=""/>
-        <p:cNvGrpSpPr/>
-        <p:nvPr/>
-      </p:nvGrpSpPr>
-      <p:grpSpPr>
-        <a:xfrm>
-          <a:off x="0" y="0"/>
-          <a:ext cx="0" cy="0"/>
-          <a:chOff x="0" y="0"/>
-          <a:chExt cx="0" cy="0"/>
-        </a:xfrm>
-      </p:grpSpPr>
-      <p:pic>
-        <p:nvPicPr>
-          <p:cNvPr id="7" name="Picture 2" descr="Afficher l'image d'origine"/>
-          <p:cNvPicPr>
-            <a:picLocks noChangeAspect="1" noChangeArrowheads="1"/>
-          </p:cNvPicPr>
-          <p:nvPr/>
-        </p:nvPicPr>
-        <p:blipFill>
-          <a:blip r:embed="rId3">
-            <a:extLst>
-              <a:ext uri="{28A0092B-C50C-407E-A947-70E740481C1C}">
-                <a14:useLocalDpi xmlns:a14="http://schemas.microsoft.com/office/drawing/2010/main" val="0"/>
-              </a:ext>
-            </a:extLst>
-          </a:blip>
-          <a:srcRect/>
-          <a:stretch>
-            <a:fillRect/>
-          </a:stretch>
-        </p:blipFill>
-        <p:spPr bwMode="auto">
-          <a:xfrm rot="1231731">
-            <a:off x="5897670" y="636081"/>
-            <a:ext cx="2952328" cy="2211398"/>
-          </a:xfrm>
-          <a:prstGeom prst="rect">
-            <a:avLst/>
-          </a:prstGeom>
-          <a:noFill/>
-          <a:extLst>
-            <a:ext uri="{909E8E84-426E-40DD-AFC4-6F175D3DCCD1}">
-              <a14:hiddenFill xmlns:a14="http://schemas.microsoft.com/office/drawing/2010/main">
-                <a:solidFill>
-                  <a:srgbClr val="FFFFFF"/>
-                </a:solidFill>
-              </a14:hiddenFill>
-            </a:ext>
-          </a:extLst>
-        </p:spPr>
-      </p:pic>
-      <p:sp>
-        <p:nvSpPr>
-          <p:cNvPr id="2" name="Espace réservé du contenu 1"/>
-          <p:cNvSpPr>
-            <a:spLocks noGrp="1"/>
-          </p:cNvSpPr>
-          <p:nvPr>
-            <p:ph idx="1"/>
-          </p:nvPr>
-        </p:nvSpPr>
-        <p:spPr>
-          <a:xfrm>
-            <a:off x="323528" y="2248348"/>
-            <a:ext cx="8712968" cy="4204988"/>
-          </a:xfrm>
-        </p:spPr>
-        <p:txBody>
-          <a:bodyPr/>
-          <a:lstStyle/>
-          <a:p>
-            <a:pPr marL="0" indent="0">
-              <a:buNone/>
-            </a:pPr>
-            <a:r>
-              <a:rPr lang="fr-FR" sz="2800" dirty="0" smtClean="0"/>
-              <a:t>Quelle est la différence entre  ?</a:t>
-            </a:r>
-          </a:p>
-          <a:p>
-            <a:pPr marL="0" indent="0" algn="ctr">
-              <a:buNone/>
-            </a:pPr>
-            <a:r>
-              <a:rPr lang="fr-FR" sz="2800" dirty="0"/>
-              <a:t>&lt;input type="</a:t>
-            </a:r>
-            <a:r>
-              <a:rPr lang="fr-FR" sz="2800" dirty="0" err="1"/>
-              <a:t>checkbox</a:t>
-            </a:r>
-            <a:r>
-              <a:rPr lang="fr-FR" sz="2800" dirty="0"/>
-              <a:t>" </a:t>
-            </a:r>
-            <a:r>
-              <a:rPr lang="fr-FR" sz="2800" b="1" dirty="0" err="1">
-                <a:solidFill>
-                  <a:srgbClr val="FF0000"/>
-                </a:solidFill>
-              </a:rPr>
-              <a:t>ng</a:t>
-            </a:r>
-            <a:r>
-              <a:rPr lang="fr-FR" sz="2800" b="1" dirty="0">
-                <a:solidFill>
-                  <a:srgbClr val="FF0000"/>
-                </a:solidFill>
-              </a:rPr>
-              <a:t>-model</a:t>
-            </a:r>
-            <a:r>
-              <a:rPr lang="fr-FR" sz="2800" dirty="0"/>
-              <a:t>="master"&gt;</a:t>
-            </a:r>
-          </a:p>
-          <a:p>
-            <a:pPr marL="0" indent="0">
-              <a:buNone/>
-            </a:pPr>
-            <a:r>
-              <a:rPr lang="fr-FR" sz="2800" dirty="0" smtClean="0"/>
-              <a:t>Et</a:t>
-            </a:r>
-          </a:p>
-          <a:p>
-            <a:pPr marL="0" indent="0" algn="ctr">
-              <a:buNone/>
-            </a:pPr>
-            <a:r>
-              <a:rPr lang="fr-FR" sz="2800" dirty="0"/>
-              <a:t>&lt;input type="</a:t>
-            </a:r>
-            <a:r>
-              <a:rPr lang="fr-FR" sz="2800" dirty="0" err="1"/>
-              <a:t>checkbox</a:t>
-            </a:r>
-            <a:r>
-              <a:rPr lang="fr-FR" sz="2800" dirty="0"/>
-              <a:t>" </a:t>
-            </a:r>
-            <a:r>
-              <a:rPr lang="fr-FR" sz="2800" b="1" dirty="0" err="1">
-                <a:solidFill>
-                  <a:srgbClr val="FF0000"/>
-                </a:solidFill>
-              </a:rPr>
-              <a:t>ng-checked</a:t>
-            </a:r>
-            <a:r>
-              <a:rPr lang="fr-FR" sz="2800" dirty="0"/>
-              <a:t>="master</a:t>
-            </a:r>
-            <a:r>
-              <a:rPr lang="fr-FR" sz="2800" dirty="0" smtClean="0"/>
-              <a:t>"&gt;</a:t>
-            </a:r>
-            <a:endParaRPr lang="fr-FR" sz="2800" dirty="0"/>
-          </a:p>
-          <a:p>
-            <a:pPr marL="0" indent="0">
-              <a:buNone/>
-            </a:pPr>
-            <a:endParaRPr lang="fr-FR" sz="2800" dirty="0" smtClean="0"/>
-          </a:p>
-          <a:p>
-            <a:pPr>
-              <a:buFont typeface="Arial" panose="020B0604020202020204" pitchFamily="34" charset="0"/>
-              <a:buChar char="•"/>
-            </a:pPr>
-            <a:endParaRPr lang="en-US" sz="2800" dirty="0" smtClean="0"/>
-          </a:p>
-          <a:p>
-            <a:pPr marL="0" indent="0">
-              <a:buNone/>
-            </a:pPr>
-            <a:endParaRPr lang="fr-FR" sz="2800" dirty="0"/>
-          </a:p>
-        </p:txBody>
-      </p:sp>
-      <p:sp>
-        <p:nvSpPr>
-          <p:cNvPr id="3" name="Titre 2"/>
-          <p:cNvSpPr>
-            <a:spLocks noGrp="1"/>
-          </p:cNvSpPr>
-          <p:nvPr>
-            <p:ph type="title"/>
-          </p:nvPr>
-        </p:nvSpPr>
-        <p:spPr/>
-        <p:txBody>
-          <a:bodyPr/>
-          <a:lstStyle/>
-          <a:p>
-            <a:r>
-              <a:rPr lang="fr-FR" dirty="0" smtClean="0"/>
-              <a:t>Directives</a:t>
-            </a:r>
-            <a:endParaRPr lang="fr-FR" dirty="0"/>
-          </a:p>
-        </p:txBody>
-      </p:sp>
-      <p:sp>
-        <p:nvSpPr>
-          <p:cNvPr id="4" name="Espace réservé du pied de page 3"/>
-          <p:cNvSpPr>
-            <a:spLocks noGrp="1"/>
-          </p:cNvSpPr>
-          <p:nvPr>
-            <p:ph type="ftr" sz="quarter" idx="11"/>
-          </p:nvPr>
-        </p:nvSpPr>
-        <p:spPr/>
-        <p:txBody>
-          <a:bodyPr/>
-          <a:lstStyle/>
-          <a:p>
-            <a:r>
-              <a:rPr lang="fr-FR" dirty="0" err="1"/>
-              <a:t>Angular</a:t>
-            </a:r>
-            <a:r>
-              <a:rPr lang="fr-FR" dirty="0"/>
-              <a:t> JS 1 : Les directives</a:t>
-            </a:r>
-          </a:p>
-        </p:txBody>
-      </p:sp>
-      <p:sp>
-        <p:nvSpPr>
-          <p:cNvPr id="5" name="Espace réservé du numéro de diapositive 4"/>
-          <p:cNvSpPr>
-            <a:spLocks noGrp="1"/>
-          </p:cNvSpPr>
-          <p:nvPr>
-            <p:ph type="sldNum" sz="quarter" idx="12"/>
-          </p:nvPr>
-        </p:nvSpPr>
-        <p:spPr/>
-        <p:txBody>
-          <a:bodyPr/>
-          <a:lstStyle/>
-          <a:p>
-            <a:fld id="{AF43E6FD-AB27-4108-A2FC-346BB5F75E3F}" type="slidenum">
-              <a:rPr lang="fr-FR" smtClean="0"/>
-              <a:pPr/>
-              <a:t>9</a:t>
-            </a:fld>
-            <a:endParaRPr lang="fr-FR" dirty="0"/>
-          </a:p>
-        </p:txBody>
-      </p:sp>
-      <p:sp>
-        <p:nvSpPr>
-          <p:cNvPr id="6" name="Espace réservé du texte 5"/>
-          <p:cNvSpPr>
-            <a:spLocks noGrp="1"/>
-          </p:cNvSpPr>
-          <p:nvPr>
-            <p:ph type="body" sz="quarter" idx="13"/>
-          </p:nvPr>
-        </p:nvSpPr>
-        <p:spPr/>
-        <p:txBody>
-          <a:bodyPr/>
-          <a:lstStyle/>
-          <a:p>
-            <a:r>
-              <a:rPr lang="fr-FR" dirty="0" smtClean="0"/>
-              <a:t>QUIZ</a:t>
-            </a:r>
-            <a:endParaRPr lang="fr-FR" dirty="0"/>
-          </a:p>
-        </p:txBody>
-      </p:sp>
-    </p:spTree>
-    <p:extLst>
-      <p:ext uri="{BB962C8B-B14F-4D97-AF65-F5344CB8AC3E}">
-        <p14:creationId xmlns:p14="http://schemas.microsoft.com/office/powerpoint/2010/main" val="1095427864"/>
+        <p14:creationId xmlns:p14="http://schemas.microsoft.com/office/powerpoint/2010/main" val="3463929539"/>
       </p:ext>
     </p:extLst>
   </p:cSld>
